--- a/mvc.pptx
+++ b/mvc.pptx
@@ -5,7 +5,7 @@
     <p:sldMasterId id="2147483648" r:id="rId1"/>
   </p:sldMasterIdLst>
   <p:notesMasterIdLst>
-    <p:notesMasterId r:id="rId26"/>
+    <p:notesMasterId r:id="rId35"/>
   </p:notesMasterIdLst>
   <p:sldIdLst>
     <p:sldId id="256" r:id="rId2"/>
@@ -32,6 +32,15 @@
     <p:sldId id="347" r:id="rId23"/>
     <p:sldId id="348" r:id="rId24"/>
     <p:sldId id="349" r:id="rId25"/>
+    <p:sldId id="353" r:id="rId26"/>
+    <p:sldId id="351" r:id="rId27"/>
+    <p:sldId id="352" r:id="rId28"/>
+    <p:sldId id="354" r:id="rId29"/>
+    <p:sldId id="355" r:id="rId30"/>
+    <p:sldId id="356" r:id="rId31"/>
+    <p:sldId id="357" r:id="rId32"/>
+    <p:sldId id="359" r:id="rId33"/>
+    <p:sldId id="358" r:id="rId34"/>
   </p:sldIdLst>
   <p:sldSz cx="12192000" cy="6858000"/>
   <p:notesSz cx="6858000" cy="9144000"/>
@@ -220,7 +229,7 @@
           <a:p>
             <a:fld id="{0FD47305-2E6C-4293-B4C5-2FA4BDD5C508}" type="datetimeFigureOut">
               <a:rPr lang="es-ES" smtClean="0"/>
-              <a:t>12/05/2020</a:t>
+              <a:t>18/05/2020</a:t>
             </a:fld>
             <a:endParaRPr lang="es-ES"/>
           </a:p>
@@ -901,7 +910,7 @@
           <a:p>
             <a:fld id="{78ABE3C1-DBE1-495D-B57B-2849774B866A}" type="datetimeFigureOut">
               <a:rPr lang="en-US" dirty="0"/>
-              <a:t>5/12/2020</a:t>
+              <a:t>5/18/2020</a:t>
             </a:fld>
             <a:endParaRPr lang="en-US" dirty="0"/>
           </a:p>
@@ -1310,7 +1319,7 @@
           <a:p>
             <a:fld id="{446C117F-5CCF-4837-BE5F-2B92066CAFAF}" type="datetimeFigureOut">
               <a:rPr lang="en-US" dirty="0"/>
-              <a:t>5/12/2020</a:t>
+              <a:t>5/18/2020</a:t>
             </a:fld>
             <a:endParaRPr lang="en-US" dirty="0"/>
           </a:p>
@@ -1641,7 +1650,7 @@
           <a:p>
             <a:fld id="{84EB90BD-B6CE-46B7-997F-7313B992CCDC}" type="datetimeFigureOut">
               <a:rPr lang="en-US" dirty="0"/>
-              <a:t>5/12/2020</a:t>
+              <a:t>5/18/2020</a:t>
             </a:fld>
             <a:endParaRPr lang="en-US" dirty="0"/>
           </a:p>
@@ -2041,7 +2050,7 @@
           <a:p>
             <a:fld id="{CDB9D11F-B188-461D-B23F-39381795C052}" type="datetimeFigureOut">
               <a:rPr lang="en-US" dirty="0"/>
-              <a:t>5/12/2020</a:t>
+              <a:t>5/18/2020</a:t>
             </a:fld>
             <a:endParaRPr lang="en-US" dirty="0"/>
           </a:p>
@@ -2604,7 +2613,7 @@
           <a:p>
             <a:fld id="{52E6D8D9-55A2-4063-B0F3-121F44549695}" type="datetimeFigureOut">
               <a:rPr lang="en-US" dirty="0"/>
-              <a:t>5/12/2020</a:t>
+              <a:t>5/18/2020</a:t>
             </a:fld>
             <a:endParaRPr lang="en-US" dirty="0"/>
           </a:p>
@@ -3280,7 +3289,7 @@
           <a:p>
             <a:fld id="{D4B24536-994D-4021-A283-9F449C0DB509}" type="datetimeFigureOut">
               <a:rPr lang="en-US" dirty="0"/>
-              <a:t>5/12/2020</a:t>
+              <a:t>5/18/2020</a:t>
             </a:fld>
             <a:endParaRPr lang="en-US" dirty="0"/>
           </a:p>
@@ -4188,7 +4197,7 @@
           <a:p>
             <a:fld id="{3CBBBB78-C96F-47B7-AB17-D852CA960AC9}" type="datetimeFigureOut">
               <a:rPr lang="en-US" dirty="0"/>
-              <a:t>5/12/2020</a:t>
+              <a:t>5/18/2020</a:t>
             </a:fld>
             <a:endParaRPr lang="en-US" dirty="0"/>
           </a:p>
@@ -4496,7 +4505,7 @@
           <a:p>
             <a:fld id="{1FA3F48C-C7C6-4055-9F49-3777875E72AE}" type="datetimeFigureOut">
               <a:rPr lang="en-US" dirty="0"/>
-              <a:t>5/12/2020</a:t>
+              <a:t>5/18/2020</a:t>
             </a:fld>
             <a:endParaRPr lang="en-US" dirty="0"/>
           </a:p>
@@ -4755,7 +4764,7 @@
           <a:p>
             <a:fld id="{6178E61D-D431-422C-9764-11DAFE33AB63}" type="datetimeFigureOut">
               <a:rPr lang="en-US" dirty="0"/>
-              <a:t>5/12/2020</a:t>
+              <a:t>5/18/2020</a:t>
             </a:fld>
             <a:endParaRPr lang="en-US" dirty="0"/>
           </a:p>
@@ -5074,7 +5083,7 @@
           <a:p>
             <a:fld id="{12DE42F4-6EEF-4EF7-8ED4-2208F0F89A08}" type="datetimeFigureOut">
               <a:rPr lang="en-US" dirty="0"/>
-              <a:t>5/12/2020</a:t>
+              <a:t>5/18/2020</a:t>
             </a:fld>
             <a:endParaRPr lang="en-US" dirty="0"/>
           </a:p>
@@ -5458,7 +5467,7 @@
           <a:p>
             <a:fld id="{30578ACC-22D6-47C1-A373-4FD133E34F3C}" type="datetimeFigureOut">
               <a:rPr lang="en-US" dirty="0"/>
-              <a:t>5/12/2020</a:t>
+              <a:t>5/18/2020</a:t>
             </a:fld>
             <a:endParaRPr lang="en-US" dirty="0"/>
           </a:p>
@@ -5829,7 +5838,7 @@
           <a:p>
             <a:fld id="{4E5A6C69-6797-4E8A-BF37-F2C3751466E9}" type="datetimeFigureOut">
               <a:rPr lang="en-US" dirty="0"/>
-              <a:t>5/12/2020</a:t>
+              <a:t>5/18/2020</a:t>
             </a:fld>
             <a:endParaRPr lang="en-US" dirty="0"/>
           </a:p>
@@ -6330,7 +6339,7 @@
           <a:p>
             <a:fld id="{D82014A1-A632-4878-A0D3-F52BA7563730}" type="datetimeFigureOut">
               <a:rPr lang="en-US" dirty="0"/>
-              <a:t>5/12/2020</a:t>
+              <a:t>5/18/2020</a:t>
             </a:fld>
             <a:endParaRPr lang="en-US" dirty="0"/>
           </a:p>
@@ -6582,7 +6591,7 @@
           <a:p>
             <a:fld id="{CE99F462-093F-4566-844B-4C71F2739DA5}" type="datetimeFigureOut">
               <a:rPr lang="en-US" dirty="0"/>
-              <a:t>5/12/2020</a:t>
+              <a:t>5/18/2020</a:t>
             </a:fld>
             <a:endParaRPr lang="en-US" dirty="0"/>
           </a:p>
@@ -6740,7 +6749,7 @@
           <a:p>
             <a:fld id="{3D24A7AC-904D-4781-85BA-7D10C17ED021}" type="datetimeFigureOut">
               <a:rPr lang="en-US" dirty="0"/>
-              <a:t>5/12/2020</a:t>
+              <a:t>5/18/2020</a:t>
             </a:fld>
             <a:endParaRPr lang="en-US" dirty="0"/>
           </a:p>
@@ -7125,7 +7134,7 @@
           <a:p>
             <a:fld id="{E331444B-B92B-4E27-8C94-BB93EAF5CB18}" type="datetimeFigureOut">
               <a:rPr lang="en-US" dirty="0"/>
-              <a:t>5/12/2020</a:t>
+              <a:t>5/18/2020</a:t>
             </a:fld>
             <a:endParaRPr lang="en-US" dirty="0"/>
           </a:p>
@@ -7529,7 +7538,7 @@
           <a:p>
             <a:fld id="{363EFA5E-FA76-400D-B3DC-F0BA90E6D107}" type="datetimeFigureOut">
               <a:rPr lang="en-US" dirty="0"/>
-              <a:t>5/12/2020</a:t>
+              <a:t>5/18/2020</a:t>
             </a:fld>
             <a:endParaRPr lang="en-US" dirty="0"/>
           </a:p>
@@ -7768,7 +7777,7 @@
           <a:p>
             <a:fld id="{9D6E9DEC-419B-4CC5-A080-3B06BD5A8291}" type="datetimeFigureOut">
               <a:rPr lang="en-US" dirty="0"/>
-              <a:t>5/12/2020</a:t>
+              <a:t>5/18/2020</a:t>
             </a:fld>
             <a:endParaRPr lang="en-US" dirty="0"/>
           </a:p>
@@ -11428,6 +11437,542 @@
 </p:sld>
 </file>
 
+<file path=ppt/slides/slide25.xml><?xml version="1.0" encoding="utf-8"?>
+<p:sld xmlns:a="http://schemas.openxmlformats.org/drawingml/2006/main" xmlns:r="http://schemas.openxmlformats.org/officeDocument/2006/relationships" xmlns:p="http://schemas.openxmlformats.org/presentationml/2006/main">
+  <p:cSld>
+    <p:spTree>
+      <p:nvGrpSpPr>
+        <p:cNvPr id="1" name=""/>
+        <p:cNvGrpSpPr/>
+        <p:nvPr/>
+      </p:nvGrpSpPr>
+      <p:grpSpPr>
+        <a:xfrm>
+          <a:off x="0" y="0"/>
+          <a:ext cx="0" cy="0"/>
+          <a:chOff x="0" y="0"/>
+          <a:chExt cx="0" cy="0"/>
+        </a:xfrm>
+      </p:grpSpPr>
+      <p:sp>
+        <p:nvSpPr>
+          <p:cNvPr id="4" name="Título 3"/>
+          <p:cNvSpPr>
+            <a:spLocks noGrp="1"/>
+          </p:cNvSpPr>
+          <p:nvPr>
+            <p:ph type="title"/>
+          </p:nvPr>
+        </p:nvSpPr>
+        <p:spPr/>
+        <p:txBody>
+          <a:bodyPr/>
+          <a:lstStyle/>
+          <a:p>
+            <a:r>
+              <a:rPr lang="es-ES" dirty="0" smtClean="0"/>
+              <a:t>Web </a:t>
+            </a:r>
+            <a:r>
+              <a:rPr lang="es-ES" dirty="0"/>
+              <a:t>service</a:t>
+            </a:r>
+          </a:p>
+        </p:txBody>
+      </p:sp>
+      <p:sp>
+        <p:nvSpPr>
+          <p:cNvPr id="5" name="Marcador de texto 4"/>
+          <p:cNvSpPr>
+            <a:spLocks noGrp="1"/>
+          </p:cNvSpPr>
+          <p:nvPr>
+            <p:ph type="body" sz="half" idx="2"/>
+          </p:nvPr>
+        </p:nvSpPr>
+        <p:spPr/>
+        <p:txBody>
+          <a:bodyPr/>
+          <a:lstStyle/>
+          <a:p>
+            <a:r>
+              <a:rPr lang="es-ES" dirty="0"/>
+              <a:t>https://es.wikipedia.org/wiki/Servicio_web</a:t>
+            </a:r>
+          </a:p>
+          <a:p>
+            <a:endParaRPr lang="es-ES" dirty="0"/>
+          </a:p>
+        </p:txBody>
+      </p:sp>
+    </p:spTree>
+    <p:extLst>
+      <p:ext uri="{BB962C8B-B14F-4D97-AF65-F5344CB8AC3E}">
+        <p14:creationId xmlns:p14="http://schemas.microsoft.com/office/powerpoint/2010/main" val="128207069"/>
+      </p:ext>
+    </p:extLst>
+  </p:cSld>
+  <p:clrMapOvr>
+    <a:masterClrMapping/>
+  </p:clrMapOvr>
+</p:sld>
+</file>
+
+<file path=ppt/slides/slide26.xml><?xml version="1.0" encoding="utf-8"?>
+<p:sld xmlns:a="http://schemas.openxmlformats.org/drawingml/2006/main" xmlns:r="http://schemas.openxmlformats.org/officeDocument/2006/relationships" xmlns:p="http://schemas.openxmlformats.org/presentationml/2006/main">
+  <p:cSld>
+    <p:spTree>
+      <p:nvGrpSpPr>
+        <p:cNvPr id="1" name=""/>
+        <p:cNvGrpSpPr/>
+        <p:nvPr/>
+      </p:nvGrpSpPr>
+      <p:grpSpPr>
+        <a:xfrm>
+          <a:off x="0" y="0"/>
+          <a:ext cx="0" cy="0"/>
+          <a:chOff x="0" y="0"/>
+          <a:chExt cx="0" cy="0"/>
+        </a:xfrm>
+      </p:grpSpPr>
+      <p:sp>
+        <p:nvSpPr>
+          <p:cNvPr id="2" name="Título 1"/>
+          <p:cNvSpPr>
+            <a:spLocks noGrp="1"/>
+          </p:cNvSpPr>
+          <p:nvPr>
+            <p:ph type="title"/>
+          </p:nvPr>
+        </p:nvSpPr>
+        <p:spPr/>
+        <p:txBody>
+          <a:bodyPr/>
+          <a:lstStyle/>
+          <a:p>
+            <a:r>
+              <a:rPr lang="es-ES" dirty="0" smtClean="0"/>
+              <a:t>web service</a:t>
+            </a:r>
+            <a:endParaRPr lang="es-ES" dirty="0"/>
+          </a:p>
+        </p:txBody>
+      </p:sp>
+      <p:sp>
+        <p:nvSpPr>
+          <p:cNvPr id="3" name="Marcador de contenido 2"/>
+          <p:cNvSpPr>
+            <a:spLocks noGrp="1"/>
+          </p:cNvSpPr>
+          <p:nvPr>
+            <p:ph idx="1"/>
+          </p:nvPr>
+        </p:nvSpPr>
+        <p:spPr/>
+        <p:txBody>
+          <a:bodyPr/>
+          <a:lstStyle/>
+          <a:p>
+            <a:pPr algn="just"/>
+            <a:r>
+              <a:rPr lang="es-ES" dirty="0"/>
+              <a:t>Un servicio web (en inglés, web service o web </a:t>
+            </a:r>
+            <a:r>
+              <a:rPr lang="es-ES" dirty="0" err="1"/>
+              <a:t>services</a:t>
+            </a:r>
+            <a:r>
+              <a:rPr lang="es-ES" dirty="0"/>
+              <a:t>) es una tecnología que utiliza un conjunto de protocolos y estándares que sirven para intercambiar datos entre aplicaciones. Distintas aplicaciones de software desarrolladas en lenguajes de programación diferentes, y ejecutadas sobre cualquier plataforma, pueden utilizar los servicios web para intercambiar datos en redes de ordenadores como Internet. La interoperabilidad se consigue mediante la adopción de estándares abiertos.</a:t>
+            </a:r>
+          </a:p>
+        </p:txBody>
+      </p:sp>
+      <p:sp>
+        <p:nvSpPr>
+          <p:cNvPr id="5" name="Rectángulo 4"/>
+          <p:cNvSpPr/>
+          <p:nvPr/>
+        </p:nvSpPr>
+        <p:spPr>
+          <a:xfrm>
+            <a:off x="4967289" y="6488668"/>
+            <a:ext cx="7224711" cy="369332"/>
+          </a:xfrm>
+          <a:prstGeom prst="rect">
+            <a:avLst/>
+          </a:prstGeom>
+        </p:spPr>
+        <p:txBody>
+          <a:bodyPr wrap="square">
+            <a:spAutoFit/>
+          </a:bodyPr>
+          <a:lstStyle/>
+          <a:p>
+            <a:r>
+              <a:rPr lang="es-ES" dirty="0"/>
+              <a:t>https://www.oscarblancarteblog.com/2017/03/06/soap-vs-rest-2/</a:t>
+            </a:r>
+          </a:p>
+        </p:txBody>
+      </p:sp>
+    </p:spTree>
+    <p:extLst>
+      <p:ext uri="{BB962C8B-B14F-4D97-AF65-F5344CB8AC3E}">
+        <p14:creationId xmlns:p14="http://schemas.microsoft.com/office/powerpoint/2010/main" val="1514867783"/>
+      </p:ext>
+    </p:extLst>
+  </p:cSld>
+  <p:clrMapOvr>
+    <a:masterClrMapping/>
+  </p:clrMapOvr>
+</p:sld>
+</file>
+
+<file path=ppt/slides/slide27.xml><?xml version="1.0" encoding="utf-8"?>
+<p:sld xmlns:a="http://schemas.openxmlformats.org/drawingml/2006/main" xmlns:r="http://schemas.openxmlformats.org/officeDocument/2006/relationships" xmlns:p="http://schemas.openxmlformats.org/presentationml/2006/main">
+  <p:cSld>
+    <p:spTree>
+      <p:nvGrpSpPr>
+        <p:cNvPr id="1" name=""/>
+        <p:cNvGrpSpPr/>
+        <p:nvPr/>
+      </p:nvGrpSpPr>
+      <p:grpSpPr>
+        <a:xfrm>
+          <a:off x="0" y="0"/>
+          <a:ext cx="0" cy="0"/>
+          <a:chOff x="0" y="0"/>
+          <a:chExt cx="0" cy="0"/>
+        </a:xfrm>
+      </p:grpSpPr>
+      <p:sp>
+        <p:nvSpPr>
+          <p:cNvPr id="2" name="Título 1"/>
+          <p:cNvSpPr>
+            <a:spLocks noGrp="1"/>
+          </p:cNvSpPr>
+          <p:nvPr>
+            <p:ph type="title"/>
+          </p:nvPr>
+        </p:nvSpPr>
+        <p:spPr/>
+        <p:txBody>
+          <a:bodyPr/>
+          <a:lstStyle/>
+          <a:p>
+            <a:r>
+              <a:rPr lang="es-ES" smtClean="0"/>
+              <a:t>JSON</a:t>
+            </a:r>
+            <a:endParaRPr lang="es-ES" dirty="0"/>
+          </a:p>
+        </p:txBody>
+      </p:sp>
+      <p:sp>
+        <p:nvSpPr>
+          <p:cNvPr id="3" name="Marcador de contenido 2"/>
+          <p:cNvSpPr>
+            <a:spLocks noGrp="1"/>
+          </p:cNvSpPr>
+          <p:nvPr>
+            <p:ph idx="1"/>
+          </p:nvPr>
+        </p:nvSpPr>
+        <p:spPr/>
+        <p:txBody>
+          <a:bodyPr/>
+          <a:lstStyle/>
+          <a:p>
+            <a:r>
+              <a:rPr lang="es-ES" dirty="0" smtClean="0"/>
+              <a:t>JSON, acrónimo de JavaScript </a:t>
+            </a:r>
+            <a:r>
+              <a:rPr lang="es-ES" dirty="0" err="1" smtClean="0"/>
+              <a:t>Object</a:t>
+            </a:r>
+            <a:r>
+              <a:rPr lang="es-ES" dirty="0" smtClean="0"/>
+              <a:t> </a:t>
+            </a:r>
+            <a:r>
+              <a:rPr lang="es-ES" dirty="0" err="1" smtClean="0"/>
+              <a:t>Notation</a:t>
+            </a:r>
+            <a:r>
+              <a:rPr lang="es-ES" dirty="0" smtClean="0"/>
+              <a:t>, es un formato de texto ligero para el intercambio de datos. JSON es un subconjunto de la notación literal de objetos de JavaScript aunque hoy, debido a su amplia adopción como alternativa a XML, se considera un formato de lenguaje independiente.</a:t>
+            </a:r>
+            <a:endParaRPr lang="es-ES" dirty="0"/>
+          </a:p>
+        </p:txBody>
+      </p:sp>
+      <p:pic>
+        <p:nvPicPr>
+          <p:cNvPr id="6" name="Imagen 5">
+            <a:hlinkClick r:id="rId2"/>
+          </p:cNvPr>
+          <p:cNvPicPr>
+            <a:picLocks noChangeAspect="1"/>
+          </p:cNvPicPr>
+          <p:nvPr/>
+        </p:nvPicPr>
+        <p:blipFill>
+          <a:blip r:embed="rId3">
+            <a:extLst>
+              <a:ext uri="{28A0092B-C50C-407E-A947-70E740481C1C}">
+                <a14:useLocalDpi xmlns:a14="http://schemas.microsoft.com/office/drawing/2010/main" val="0"/>
+              </a:ext>
+            </a:extLst>
+          </a:blip>
+          <a:stretch>
+            <a:fillRect/>
+          </a:stretch>
+        </p:blipFill>
+        <p:spPr>
+          <a:xfrm>
+            <a:off x="8474075" y="4384675"/>
+            <a:ext cx="2381250" cy="2381250"/>
+          </a:xfrm>
+          <a:prstGeom prst="rect">
+            <a:avLst/>
+          </a:prstGeom>
+        </p:spPr>
+      </p:pic>
+      <p:sp>
+        <p:nvSpPr>
+          <p:cNvPr id="7" name="Rectángulo 6"/>
+          <p:cNvSpPr/>
+          <p:nvPr/>
+        </p:nvSpPr>
+        <p:spPr>
+          <a:xfrm>
+            <a:off x="1141412" y="-11679"/>
+            <a:ext cx="3535904" cy="369332"/>
+          </a:xfrm>
+          <a:prstGeom prst="rect">
+            <a:avLst/>
+          </a:prstGeom>
+        </p:spPr>
+        <p:txBody>
+          <a:bodyPr wrap="none">
+            <a:spAutoFit/>
+          </a:bodyPr>
+          <a:lstStyle/>
+          <a:p>
+            <a:r>
+              <a:rPr lang="es-ES" dirty="0"/>
+              <a:t>https://es.wikipedia.org/wiki/JSON</a:t>
+            </a:r>
+          </a:p>
+        </p:txBody>
+      </p:sp>
+      <p:sp>
+        <p:nvSpPr>
+          <p:cNvPr id="8" name="Rectángulo 7"/>
+          <p:cNvSpPr/>
+          <p:nvPr/>
+        </p:nvSpPr>
+        <p:spPr>
+          <a:xfrm>
+            <a:off x="1141412" y="6488668"/>
+            <a:ext cx="3268844" cy="369332"/>
+          </a:xfrm>
+          <a:prstGeom prst="rect">
+            <a:avLst/>
+          </a:prstGeom>
+        </p:spPr>
+        <p:txBody>
+          <a:bodyPr wrap="none">
+            <a:spAutoFit/>
+          </a:bodyPr>
+          <a:lstStyle/>
+          <a:p>
+            <a:r>
+              <a:rPr lang="es-ES" dirty="0"/>
+              <a:t>https://jsoneditoronline.org/</a:t>
+            </a:r>
+            <a:endParaRPr lang="es-ES" dirty="0"/>
+          </a:p>
+        </p:txBody>
+      </p:sp>
+    </p:spTree>
+    <p:extLst>
+      <p:ext uri="{BB962C8B-B14F-4D97-AF65-F5344CB8AC3E}">
+        <p14:creationId xmlns:p14="http://schemas.microsoft.com/office/powerpoint/2010/main" val="552903859"/>
+      </p:ext>
+    </p:extLst>
+  </p:cSld>
+  <p:clrMapOvr>
+    <a:masterClrMapping/>
+  </p:clrMapOvr>
+</p:sld>
+</file>
+
+<file path=ppt/slides/slide28.xml><?xml version="1.0" encoding="utf-8"?>
+<p:sld xmlns:a="http://schemas.openxmlformats.org/drawingml/2006/main" xmlns:r="http://schemas.openxmlformats.org/officeDocument/2006/relationships" xmlns:p="http://schemas.openxmlformats.org/presentationml/2006/main">
+  <p:cSld>
+    <p:spTree>
+      <p:nvGrpSpPr>
+        <p:cNvPr id="1" name=""/>
+        <p:cNvGrpSpPr/>
+        <p:nvPr/>
+      </p:nvGrpSpPr>
+      <p:grpSpPr>
+        <a:xfrm>
+          <a:off x="0" y="0"/>
+          <a:ext cx="0" cy="0"/>
+          <a:chOff x="0" y="0"/>
+          <a:chExt cx="0" cy="0"/>
+        </a:xfrm>
+      </p:grpSpPr>
+      <p:sp>
+        <p:nvSpPr>
+          <p:cNvPr id="2" name="Título 1"/>
+          <p:cNvSpPr>
+            <a:spLocks noGrp="1"/>
+          </p:cNvSpPr>
+          <p:nvPr>
+            <p:ph type="title"/>
+          </p:nvPr>
+        </p:nvSpPr>
+        <p:spPr/>
+        <p:txBody>
+          <a:bodyPr/>
+          <a:lstStyle/>
+          <a:p>
+            <a:r>
+              <a:rPr lang="es-ES" dirty="0" smtClean="0"/>
+              <a:t>Ejemplos de servicio web</a:t>
+            </a:r>
+            <a:endParaRPr lang="es-ES" dirty="0"/>
+          </a:p>
+        </p:txBody>
+      </p:sp>
+      <p:sp>
+        <p:nvSpPr>
+          <p:cNvPr id="3" name="Marcador de contenido 2"/>
+          <p:cNvSpPr>
+            <a:spLocks noGrp="1"/>
+          </p:cNvSpPr>
+          <p:nvPr>
+            <p:ph idx="1"/>
+          </p:nvPr>
+        </p:nvSpPr>
+        <p:spPr/>
+        <p:txBody>
+          <a:bodyPr/>
+          <a:lstStyle/>
+          <a:p>
+            <a:r>
+              <a:rPr lang="es-ES" dirty="0"/>
+              <a:t>https://httpbin.org/anything</a:t>
+            </a:r>
+          </a:p>
+          <a:p>
+            <a:r>
+              <a:rPr lang="es-ES" dirty="0"/>
+              <a:t>https://jsonplaceholder.typicode.com/todos/1</a:t>
+            </a:r>
+          </a:p>
+          <a:p>
+            <a:r>
+              <a:rPr lang="es-ES" dirty="0"/>
+              <a:t>https://reqbin.com/echo/get/json</a:t>
+            </a:r>
+          </a:p>
+        </p:txBody>
+      </p:sp>
+    </p:spTree>
+    <p:extLst>
+      <p:ext uri="{BB962C8B-B14F-4D97-AF65-F5344CB8AC3E}">
+        <p14:creationId xmlns:p14="http://schemas.microsoft.com/office/powerpoint/2010/main" val="2928422576"/>
+      </p:ext>
+    </p:extLst>
+  </p:cSld>
+  <p:clrMapOvr>
+    <a:masterClrMapping/>
+  </p:clrMapOvr>
+</p:sld>
+</file>
+
+<file path=ppt/slides/slide29.xml><?xml version="1.0" encoding="utf-8"?>
+<p:sld xmlns:a="http://schemas.openxmlformats.org/drawingml/2006/main" xmlns:r="http://schemas.openxmlformats.org/officeDocument/2006/relationships" xmlns:p="http://schemas.openxmlformats.org/presentationml/2006/main">
+  <p:cSld>
+    <p:spTree>
+      <p:nvGrpSpPr>
+        <p:cNvPr id="1" name=""/>
+        <p:cNvGrpSpPr/>
+        <p:nvPr/>
+      </p:nvGrpSpPr>
+      <p:grpSpPr>
+        <a:xfrm>
+          <a:off x="0" y="0"/>
+          <a:ext cx="0" cy="0"/>
+          <a:chOff x="0" y="0"/>
+          <a:chExt cx="0" cy="0"/>
+        </a:xfrm>
+      </p:grpSpPr>
+      <p:sp>
+        <p:nvSpPr>
+          <p:cNvPr id="2" name="Título 1"/>
+          <p:cNvSpPr>
+            <a:spLocks noGrp="1"/>
+          </p:cNvSpPr>
+          <p:nvPr>
+            <p:ph type="title"/>
+          </p:nvPr>
+        </p:nvSpPr>
+        <p:spPr/>
+        <p:txBody>
+          <a:bodyPr/>
+          <a:lstStyle/>
+          <a:p>
+            <a:r>
+              <a:rPr lang="es-ES" dirty="0" smtClean="0"/>
+              <a:t>Validación de servicio web</a:t>
+            </a:r>
+            <a:endParaRPr lang="es-ES" dirty="0"/>
+          </a:p>
+        </p:txBody>
+      </p:sp>
+      <p:sp>
+        <p:nvSpPr>
+          <p:cNvPr id="3" name="Marcador de contenido 2"/>
+          <p:cNvSpPr>
+            <a:spLocks noGrp="1"/>
+          </p:cNvSpPr>
+          <p:nvPr>
+            <p:ph idx="1"/>
+          </p:nvPr>
+        </p:nvSpPr>
+        <p:spPr/>
+        <p:txBody>
+          <a:bodyPr/>
+          <a:lstStyle/>
+          <a:p>
+            <a:r>
+              <a:rPr lang="es-ES" dirty="0"/>
+              <a:t>https://reqbin.com/</a:t>
+            </a:r>
+          </a:p>
+        </p:txBody>
+      </p:sp>
+    </p:spTree>
+    <p:extLst>
+      <p:ext uri="{BB962C8B-B14F-4D97-AF65-F5344CB8AC3E}">
+        <p14:creationId xmlns:p14="http://schemas.microsoft.com/office/powerpoint/2010/main" val="1888914147"/>
+      </p:ext>
+    </p:extLst>
+  </p:cSld>
+  <p:clrMapOvr>
+    <a:masterClrMapping/>
+  </p:clrMapOvr>
+</p:sld>
+</file>
+
 <file path=ppt/slides/slide3.xml><?xml version="1.0" encoding="utf-8"?>
 <p:sld xmlns:a="http://schemas.openxmlformats.org/drawingml/2006/main" xmlns:r="http://schemas.openxmlformats.org/officeDocument/2006/relationships" xmlns:p="http://schemas.openxmlformats.org/presentationml/2006/main">
   <p:cSld>
@@ -11576,6 +12121,395 @@
       </p:par>
     </p:tnLst>
   </p:timing>
+</p:sld>
+</file>
+
+<file path=ppt/slides/slide30.xml><?xml version="1.0" encoding="utf-8"?>
+<p:sld xmlns:a="http://schemas.openxmlformats.org/drawingml/2006/main" xmlns:r="http://schemas.openxmlformats.org/officeDocument/2006/relationships" xmlns:p="http://schemas.openxmlformats.org/presentationml/2006/main">
+  <p:cSld>
+    <p:spTree>
+      <p:nvGrpSpPr>
+        <p:cNvPr id="1" name=""/>
+        <p:cNvGrpSpPr/>
+        <p:nvPr/>
+      </p:nvGrpSpPr>
+      <p:grpSpPr>
+        <a:xfrm>
+          <a:off x="0" y="0"/>
+          <a:ext cx="0" cy="0"/>
+          <a:chOff x="0" y="0"/>
+          <a:chExt cx="0" cy="0"/>
+        </a:xfrm>
+      </p:grpSpPr>
+      <p:sp>
+        <p:nvSpPr>
+          <p:cNvPr id="2" name="Título 1"/>
+          <p:cNvSpPr>
+            <a:spLocks noGrp="1"/>
+          </p:cNvSpPr>
+          <p:nvPr>
+            <p:ph type="title"/>
+          </p:nvPr>
+        </p:nvSpPr>
+        <p:spPr/>
+        <p:txBody>
+          <a:bodyPr/>
+          <a:lstStyle/>
+          <a:p>
+            <a:r>
+              <a:rPr lang="es-ES" dirty="0" smtClean="0"/>
+              <a:t>Modelo para el servicio web</a:t>
+            </a:r>
+            <a:endParaRPr lang="es-ES" dirty="0"/>
+          </a:p>
+        </p:txBody>
+      </p:sp>
+      <p:pic>
+        <p:nvPicPr>
+          <p:cNvPr id="4" name="Marcador de contenido 3"/>
+          <p:cNvPicPr>
+            <a:picLocks noGrp="1" noChangeAspect="1"/>
+          </p:cNvPicPr>
+          <p:nvPr>
+            <p:ph idx="1"/>
+          </p:nvPr>
+        </p:nvPicPr>
+        <p:blipFill>
+          <a:blip r:embed="rId2"/>
+          <a:stretch>
+            <a:fillRect/>
+          </a:stretch>
+        </p:blipFill>
+        <p:spPr>
+          <a:xfrm>
+            <a:off x="3523264" y="2336800"/>
+            <a:ext cx="3929447" cy="3598863"/>
+          </a:xfrm>
+          <a:prstGeom prst="rect">
+            <a:avLst/>
+          </a:prstGeom>
+        </p:spPr>
+      </p:pic>
+    </p:spTree>
+    <p:extLst>
+      <p:ext uri="{BB962C8B-B14F-4D97-AF65-F5344CB8AC3E}">
+        <p14:creationId xmlns:p14="http://schemas.microsoft.com/office/powerpoint/2010/main" val="296969797"/>
+      </p:ext>
+    </p:extLst>
+  </p:cSld>
+  <p:clrMapOvr>
+    <a:masterClrMapping/>
+  </p:clrMapOvr>
+</p:sld>
+</file>
+
+<file path=ppt/slides/slide31.xml><?xml version="1.0" encoding="utf-8"?>
+<p:sld xmlns:a="http://schemas.openxmlformats.org/drawingml/2006/main" xmlns:r="http://schemas.openxmlformats.org/officeDocument/2006/relationships" xmlns:p="http://schemas.openxmlformats.org/presentationml/2006/main">
+  <p:cSld>
+    <p:spTree>
+      <p:nvGrpSpPr>
+        <p:cNvPr id="1" name=""/>
+        <p:cNvGrpSpPr/>
+        <p:nvPr/>
+      </p:nvGrpSpPr>
+      <p:grpSpPr>
+        <a:xfrm>
+          <a:off x="0" y="0"/>
+          <a:ext cx="0" cy="0"/>
+          <a:chOff x="0" y="0"/>
+          <a:chExt cx="0" cy="0"/>
+        </a:xfrm>
+      </p:grpSpPr>
+      <p:sp>
+        <p:nvSpPr>
+          <p:cNvPr id="2" name="Título 1"/>
+          <p:cNvSpPr>
+            <a:spLocks noGrp="1"/>
+          </p:cNvSpPr>
+          <p:nvPr>
+            <p:ph type="title"/>
+          </p:nvPr>
+        </p:nvSpPr>
+        <p:spPr/>
+        <p:txBody>
+          <a:bodyPr/>
+          <a:lstStyle/>
+          <a:p>
+            <a:r>
+              <a:rPr lang="es-ES" dirty="0" smtClean="0"/>
+              <a:t>Controlador para el servicio web</a:t>
+            </a:r>
+            <a:endParaRPr lang="es-ES" dirty="0"/>
+          </a:p>
+        </p:txBody>
+      </p:sp>
+      <p:pic>
+        <p:nvPicPr>
+          <p:cNvPr id="6" name="Marcador de contenido 5"/>
+          <p:cNvPicPr>
+            <a:picLocks noGrp="1" noChangeAspect="1"/>
+          </p:cNvPicPr>
+          <p:nvPr>
+            <p:ph idx="1"/>
+          </p:nvPr>
+        </p:nvPicPr>
+        <p:blipFill>
+          <a:blip r:embed="rId2"/>
+          <a:stretch>
+            <a:fillRect/>
+          </a:stretch>
+        </p:blipFill>
+        <p:spPr>
+          <a:xfrm>
+            <a:off x="2756039" y="2336800"/>
+            <a:ext cx="5463898" cy="3598863"/>
+          </a:xfrm>
+          <a:prstGeom prst="rect">
+            <a:avLst/>
+          </a:prstGeom>
+        </p:spPr>
+      </p:pic>
+    </p:spTree>
+    <p:extLst>
+      <p:ext uri="{BB962C8B-B14F-4D97-AF65-F5344CB8AC3E}">
+        <p14:creationId xmlns:p14="http://schemas.microsoft.com/office/powerpoint/2010/main" val="2488632856"/>
+      </p:ext>
+    </p:extLst>
+  </p:cSld>
+  <p:clrMapOvr>
+    <a:masterClrMapping/>
+  </p:clrMapOvr>
+</p:sld>
+</file>
+
+<file path=ppt/slides/slide32.xml><?xml version="1.0" encoding="utf-8"?>
+<p:sld xmlns:a="http://schemas.openxmlformats.org/drawingml/2006/main" xmlns:r="http://schemas.openxmlformats.org/officeDocument/2006/relationships" xmlns:p="http://schemas.openxmlformats.org/presentationml/2006/main">
+  <p:cSld>
+    <p:spTree>
+      <p:nvGrpSpPr>
+        <p:cNvPr id="1" name=""/>
+        <p:cNvGrpSpPr/>
+        <p:nvPr/>
+      </p:nvGrpSpPr>
+      <p:grpSpPr>
+        <a:xfrm>
+          <a:off x="0" y="0"/>
+          <a:ext cx="0" cy="0"/>
+          <a:chOff x="0" y="0"/>
+          <a:chExt cx="0" cy="0"/>
+        </a:xfrm>
+      </p:grpSpPr>
+      <p:sp>
+        <p:nvSpPr>
+          <p:cNvPr id="2" name="Título 1"/>
+          <p:cNvSpPr>
+            <a:spLocks noGrp="1"/>
+          </p:cNvSpPr>
+          <p:nvPr>
+            <p:ph type="title"/>
+          </p:nvPr>
+        </p:nvSpPr>
+        <p:spPr/>
+        <p:txBody>
+          <a:bodyPr/>
+          <a:lstStyle/>
+          <a:p>
+            <a:r>
+              <a:rPr lang="es-ES" dirty="0" smtClean="0"/>
+              <a:t>Preparar vista en Controlador para mostrar los datos del servicio web</a:t>
+            </a:r>
+            <a:endParaRPr lang="es-ES" dirty="0"/>
+          </a:p>
+        </p:txBody>
+      </p:sp>
+      <p:pic>
+        <p:nvPicPr>
+          <p:cNvPr id="4" name="Marcador de contenido 3"/>
+          <p:cNvPicPr>
+            <a:picLocks noGrp="1" noChangeAspect="1"/>
+          </p:cNvPicPr>
+          <p:nvPr>
+            <p:ph idx="1"/>
+          </p:nvPr>
+        </p:nvPicPr>
+        <p:blipFill>
+          <a:blip r:embed="rId2"/>
+          <a:stretch>
+            <a:fillRect/>
+          </a:stretch>
+        </p:blipFill>
+        <p:spPr>
+          <a:xfrm>
+            <a:off x="2635250" y="2740819"/>
+            <a:ext cx="5705475" cy="2790825"/>
+          </a:xfrm>
+          <a:prstGeom prst="rect">
+            <a:avLst/>
+          </a:prstGeom>
+        </p:spPr>
+      </p:pic>
+    </p:spTree>
+    <p:extLst>
+      <p:ext uri="{BB962C8B-B14F-4D97-AF65-F5344CB8AC3E}">
+        <p14:creationId xmlns:p14="http://schemas.microsoft.com/office/powerpoint/2010/main" val="4274765014"/>
+      </p:ext>
+    </p:extLst>
+  </p:cSld>
+  <p:clrMapOvr>
+    <a:masterClrMapping/>
+  </p:clrMapOvr>
+</p:sld>
+</file>
+
+<file path=ppt/slides/slide33.xml><?xml version="1.0" encoding="utf-8"?>
+<p:sld xmlns:a="http://schemas.openxmlformats.org/drawingml/2006/main" xmlns:r="http://schemas.openxmlformats.org/officeDocument/2006/relationships" xmlns:p="http://schemas.openxmlformats.org/presentationml/2006/main">
+  <p:cSld>
+    <p:spTree>
+      <p:nvGrpSpPr>
+        <p:cNvPr id="1" name=""/>
+        <p:cNvGrpSpPr/>
+        <p:nvPr/>
+      </p:nvGrpSpPr>
+      <p:grpSpPr>
+        <a:xfrm>
+          <a:off x="0" y="0"/>
+          <a:ext cx="0" cy="0"/>
+          <a:chOff x="0" y="0"/>
+          <a:chExt cx="0" cy="0"/>
+        </a:xfrm>
+      </p:grpSpPr>
+      <p:sp>
+        <p:nvSpPr>
+          <p:cNvPr id="2" name="Título 1"/>
+          <p:cNvSpPr>
+            <a:spLocks noGrp="1"/>
+          </p:cNvSpPr>
+          <p:nvPr>
+            <p:ph type="title"/>
+          </p:nvPr>
+        </p:nvSpPr>
+        <p:spPr/>
+        <p:txBody>
+          <a:bodyPr/>
+          <a:lstStyle/>
+          <a:p>
+            <a:r>
+              <a:rPr lang="es-ES" dirty="0" smtClean="0"/>
+              <a:t>Vista para el servicio web</a:t>
+            </a:r>
+            <a:endParaRPr lang="es-ES" dirty="0"/>
+          </a:p>
+        </p:txBody>
+      </p:sp>
+      <p:pic>
+        <p:nvPicPr>
+          <p:cNvPr id="5" name="Marcador de contenido 4"/>
+          <p:cNvPicPr>
+            <a:picLocks noGrp="1" noChangeAspect="1"/>
+          </p:cNvPicPr>
+          <p:nvPr>
+            <p:ph idx="1"/>
+          </p:nvPr>
+        </p:nvPicPr>
+        <p:blipFill>
+          <a:blip r:embed="rId2"/>
+          <a:stretch>
+            <a:fillRect/>
+          </a:stretch>
+        </p:blipFill>
+        <p:spPr>
+          <a:xfrm>
+            <a:off x="3382226" y="2675368"/>
+            <a:ext cx="4210050" cy="1066800"/>
+          </a:xfrm>
+          <a:prstGeom prst="rect">
+            <a:avLst/>
+          </a:prstGeom>
+        </p:spPr>
+      </p:pic>
+      <p:sp>
+        <p:nvSpPr>
+          <p:cNvPr id="7" name="Título 1"/>
+          <p:cNvSpPr txBox="1">
+            <a:spLocks/>
+          </p:cNvSpPr>
+          <p:nvPr/>
+        </p:nvSpPr>
+        <p:spPr>
+          <a:xfrm>
+            <a:off x="680321" y="3742168"/>
+            <a:ext cx="9613861" cy="1080938"/>
+          </a:xfrm>
+          <a:prstGeom prst="rect">
+            <a:avLst/>
+          </a:prstGeom>
+        </p:spPr>
+        <p:txBody>
+          <a:bodyPr vert="horz" lIns="91440" tIns="45720" rIns="91440" bIns="45720" rtlCol="0" anchor="ctr">
+            <a:normAutofit/>
+          </a:bodyPr>
+          <a:lstStyle>
+            <a:lvl1pPr algn="l" defTabSz="914400" rtl="0" eaLnBrk="1" latinLnBrk="0" hangingPunct="1">
+              <a:lnSpc>
+                <a:spcPct val="90000"/>
+              </a:lnSpc>
+              <a:spcBef>
+                <a:spcPct val="0"/>
+              </a:spcBef>
+              <a:buNone/>
+              <a:defRPr sz="3600" kern="1200">
+                <a:solidFill>
+                  <a:schemeClr val="tx1"/>
+                </a:solidFill>
+                <a:latin typeface="+mj-lt"/>
+                <a:ea typeface="+mj-ea"/>
+                <a:cs typeface="+mj-cs"/>
+              </a:defRPr>
+            </a:lvl1pPr>
+          </a:lstStyle>
+          <a:p>
+            <a:r>
+              <a:rPr lang="es-ES" dirty="0" smtClean="0"/>
+              <a:t>Actualización en el modelo</a:t>
+            </a:r>
+            <a:endParaRPr lang="es-ES" dirty="0"/>
+          </a:p>
+        </p:txBody>
+      </p:sp>
+      <p:pic>
+        <p:nvPicPr>
+          <p:cNvPr id="9" name="Imagen 8"/>
+          <p:cNvPicPr>
+            <a:picLocks noChangeAspect="1"/>
+          </p:cNvPicPr>
+          <p:nvPr/>
+        </p:nvPicPr>
+        <p:blipFill>
+          <a:blip r:embed="rId3"/>
+          <a:stretch>
+            <a:fillRect/>
+          </a:stretch>
+        </p:blipFill>
+        <p:spPr>
+          <a:xfrm>
+            <a:off x="1083129" y="4823106"/>
+            <a:ext cx="10287000" cy="1657350"/>
+          </a:xfrm>
+          <a:prstGeom prst="rect">
+            <a:avLst/>
+          </a:prstGeom>
+        </p:spPr>
+      </p:pic>
+    </p:spTree>
+    <p:extLst>
+      <p:ext uri="{BB962C8B-B14F-4D97-AF65-F5344CB8AC3E}">
+        <p14:creationId xmlns:p14="http://schemas.microsoft.com/office/powerpoint/2010/main" val="1175777108"/>
+      </p:ext>
+    </p:extLst>
+  </p:cSld>
+  <p:clrMapOvr>
+    <a:masterClrMapping/>
+  </p:clrMapOvr>
 </p:sld>
 </file>
 

--- a/mvc.pptx
+++ b/mvc.pptx
@@ -5,7 +5,7 @@
     <p:sldMasterId id="2147483648" r:id="rId1"/>
   </p:sldMasterIdLst>
   <p:notesMasterIdLst>
-    <p:notesMasterId r:id="rId26"/>
+    <p:notesMasterId r:id="rId35"/>
   </p:notesMasterIdLst>
   <p:sldIdLst>
     <p:sldId id="256" r:id="rId2"/>
@@ -32,6 +32,15 @@
     <p:sldId id="347" r:id="rId23"/>
     <p:sldId id="348" r:id="rId24"/>
     <p:sldId id="349" r:id="rId25"/>
+    <p:sldId id="353" r:id="rId26"/>
+    <p:sldId id="351" r:id="rId27"/>
+    <p:sldId id="352" r:id="rId28"/>
+    <p:sldId id="354" r:id="rId29"/>
+    <p:sldId id="355" r:id="rId30"/>
+    <p:sldId id="356" r:id="rId31"/>
+    <p:sldId id="357" r:id="rId32"/>
+    <p:sldId id="359" r:id="rId33"/>
+    <p:sldId id="358" r:id="rId34"/>
   </p:sldIdLst>
   <p:sldSz cx="12192000" cy="6858000"/>
   <p:notesSz cx="6858000" cy="9144000"/>
@@ -220,7 +229,7 @@
           <a:p>
             <a:fld id="{0FD47305-2E6C-4293-B4C5-2FA4BDD5C508}" type="datetimeFigureOut">
               <a:rPr lang="es-ES" smtClean="0"/>
-              <a:t>12/05/2020</a:t>
+              <a:t>19/05/2020</a:t>
             </a:fld>
             <a:endParaRPr lang="es-ES"/>
           </a:p>
@@ -284,38 +293,37 @@
           <a:p>
             <a:pPr lvl="0"/>
             <a:r>
-              <a:rPr lang="es-ES" smtClean="0"/>
+              <a:rPr lang="es-ES"/>
               <a:t>Haga clic para modificar el estilo de texto del patrón</a:t>
             </a:r>
           </a:p>
           <a:p>
             <a:pPr lvl="1"/>
             <a:r>
-              <a:rPr lang="es-ES" smtClean="0"/>
+              <a:rPr lang="es-ES"/>
               <a:t>Segundo nivel</a:t>
             </a:r>
           </a:p>
           <a:p>
             <a:pPr lvl="2"/>
             <a:r>
-              <a:rPr lang="es-ES" smtClean="0"/>
+              <a:rPr lang="es-ES"/>
               <a:t>Tercer nivel</a:t>
             </a:r>
           </a:p>
           <a:p>
             <a:pPr lvl="3"/>
             <a:r>
-              <a:rPr lang="es-ES" smtClean="0"/>
+              <a:rPr lang="es-ES"/>
               <a:t>Cuarto nivel</a:t>
             </a:r>
           </a:p>
           <a:p>
             <a:pPr lvl="4"/>
             <a:r>
-              <a:rPr lang="es-ES" smtClean="0"/>
+              <a:rPr lang="es-ES"/>
               <a:t>Quinto nivel</a:t>
             </a:r>
-            <a:endParaRPr lang="es-ES"/>
           </a:p>
         </p:txBody>
       </p:sp>
@@ -533,32 +541,32 @@
           <a:lstStyle/>
           <a:p>
             <a:r>
-              <a:rPr lang="en-US" dirty="0" smtClean="0"/>
+              <a:rPr lang="en-US" dirty="0"/>
               <a:t>MVC:</a:t>
             </a:r>
             <a:r>
-              <a:rPr lang="en-US" baseline="0" dirty="0" smtClean="0"/>
+              <a:rPr lang="en-US" baseline="0" dirty="0"/>
               <a:t> </a:t>
             </a:r>
             <a:r>
-              <a:rPr lang="en-US" dirty="0" err="1" smtClean="0"/>
+              <a:rPr lang="en-US" dirty="0" err="1"/>
               <a:t>patrón</a:t>
             </a:r>
             <a:r>
-              <a:rPr lang="en-US" dirty="0" smtClean="0"/>
+              <a:rPr lang="en-US" dirty="0"/>
               <a:t> de </a:t>
             </a:r>
             <a:r>
-              <a:rPr lang="en-US" dirty="0" err="1" smtClean="0"/>
+              <a:rPr lang="en-US" dirty="0" err="1"/>
               <a:t>arquitectura</a:t>
             </a:r>
             <a:r>
-              <a:rPr lang="en-US" dirty="0" smtClean="0"/>
+              <a:rPr lang="en-US" dirty="0"/>
               <a:t> de software </a:t>
             </a:r>
           </a:p>
           <a:p>
-            <a:endParaRPr lang="en-US" dirty="0" smtClean="0"/>
+            <a:endParaRPr lang="en-US" dirty="0"/>
           </a:p>
           <a:p>
             <a:pPr marL="0" marR="0" lvl="0" indent="0" algn="l" defTabSz="914400" rtl="0" eaLnBrk="1" fontAlgn="auto" latinLnBrk="0" hangingPunct="1">
@@ -579,12 +587,12 @@
               <a:defRPr/>
             </a:pPr>
             <a:r>
-              <a:rPr lang="es-ES" dirty="0" smtClean="0"/>
+              <a:rPr lang="es-ES" dirty="0"/>
               <a:t>A grandes rasgos, puede decirse que “la Arquitectura de Software es la forma en la que se organizan los componentes de un sistema, interactúan y se relacionan entre sí y con el contexto, aplicando normas y principios de diseño y calidad, que fortalezcan y fomenten la usabilidad a la vez que dejan preparado el sistema, para su propia evolución”.</a:t>
             </a:r>
           </a:p>
           <a:p>
-            <a:endParaRPr lang="en-US" dirty="0" smtClean="0"/>
+            <a:endParaRPr lang="en-US" dirty="0"/>
           </a:p>
           <a:p>
             <a:endParaRPr lang="es-ES" dirty="0"/>
@@ -810,7 +818,7 @@
           </a:lstStyle>
           <a:p>
             <a:r>
-              <a:rPr lang="es-ES" smtClean="0"/>
+              <a:rPr lang="es-ES"/>
               <a:t>Haga clic para modificar el estilo de título del patrón</a:t>
             </a:r>
             <a:endParaRPr lang="en-US" dirty="0"/>
@@ -877,7 +885,7 @@
           </a:lstStyle>
           <a:p>
             <a:r>
-              <a:rPr lang="es-ES" smtClean="0"/>
+              <a:rPr lang="es-ES"/>
               <a:t>Haga clic para modificar el estilo de subtítulo del patrón</a:t>
             </a:r>
             <a:endParaRPr lang="en-US" dirty="0"/>
@@ -901,7 +909,7 @@
           <a:p>
             <a:fld id="{78ABE3C1-DBE1-495D-B57B-2849774B866A}" type="datetimeFigureOut">
               <a:rPr lang="en-US" dirty="0"/>
-              <a:t>5/12/2020</a:t>
+              <a:t>5/19/2020</a:t>
             </a:fld>
             <a:endParaRPr lang="en-US" dirty="0"/>
           </a:p>
@@ -1145,7 +1153,7 @@
           </a:lstStyle>
           <a:p>
             <a:r>
-              <a:rPr lang="es-ES" smtClean="0"/>
+              <a:rPr lang="es-ES"/>
               <a:t>Haga clic para modificar el estilo de título del patrón</a:t>
             </a:r>
             <a:endParaRPr lang="en-US" dirty="0"/>
@@ -1221,7 +1229,7 @@
           </a:lstStyle>
           <a:p>
             <a:r>
-              <a:rPr lang="es-ES" smtClean="0"/>
+              <a:rPr lang="es-ES"/>
               <a:t>Haga clic en el icono para agregar una imagen</a:t>
             </a:r>
             <a:endParaRPr lang="en-US" dirty="0"/>
@@ -1287,7 +1295,7 @@
           <a:p>
             <a:pPr lvl="0"/>
             <a:r>
-              <a:rPr lang="es-ES" smtClean="0"/>
+              <a:rPr lang="es-ES"/>
               <a:t>Haga clic para modificar el estilo de texto del patrón</a:t>
             </a:r>
           </a:p>
@@ -1310,7 +1318,7 @@
           <a:p>
             <a:fld id="{446C117F-5CCF-4837-BE5F-2B92066CAFAF}" type="datetimeFigureOut">
               <a:rPr lang="en-US" dirty="0"/>
-              <a:t>5/12/2020</a:t>
+              <a:t>5/19/2020</a:t>
             </a:fld>
             <a:endParaRPr lang="en-US" dirty="0"/>
           </a:p>
@@ -1552,7 +1560,7 @@
           </a:lstStyle>
           <a:p>
             <a:r>
-              <a:rPr lang="es-ES" smtClean="0"/>
+              <a:rPr lang="es-ES"/>
               <a:t>Haga clic para modificar el estilo de título del patrón</a:t>
             </a:r>
             <a:endParaRPr lang="en-US" dirty="0"/>
@@ -1618,7 +1626,7 @@
           <a:p>
             <a:pPr lvl="0"/>
             <a:r>
-              <a:rPr lang="es-ES" smtClean="0"/>
+              <a:rPr lang="es-ES"/>
               <a:t>Haga clic para modificar el estilo de texto del patrón</a:t>
             </a:r>
           </a:p>
@@ -1641,7 +1649,7 @@
           <a:p>
             <a:fld id="{84EB90BD-B6CE-46B7-997F-7313B992CCDC}" type="datetimeFigureOut">
               <a:rPr lang="en-US" dirty="0"/>
-              <a:t>5/12/2020</a:t>
+              <a:t>5/19/2020</a:t>
             </a:fld>
             <a:endParaRPr lang="en-US" dirty="0"/>
           </a:p>
@@ -1883,7 +1891,7 @@
           </a:lstStyle>
           <a:p>
             <a:r>
-              <a:rPr lang="es-ES" smtClean="0"/>
+              <a:rPr lang="es-ES"/>
               <a:t>Haga clic para modificar el estilo de título del patrón</a:t>
             </a:r>
             <a:endParaRPr lang="en-US" dirty="0"/>
@@ -1951,7 +1959,7 @@
           <a:p>
             <a:pPr lvl="0"/>
             <a:r>
-              <a:rPr lang="es-ES" smtClean="0"/>
+              <a:rPr lang="es-ES"/>
               <a:t>Haga clic para modificar el estilo de texto del patrón</a:t>
             </a:r>
           </a:p>
@@ -2018,7 +2026,7 @@
           <a:p>
             <a:pPr lvl="0"/>
             <a:r>
-              <a:rPr lang="es-ES" smtClean="0"/>
+              <a:rPr lang="es-ES"/>
               <a:t>Haga clic para modificar el estilo de texto del patrón</a:t>
             </a:r>
           </a:p>
@@ -2041,7 +2049,7 @@
           <a:p>
             <a:fld id="{CDB9D11F-B188-461D-B23F-39381795C052}" type="datetimeFigureOut">
               <a:rPr lang="en-US" dirty="0"/>
-              <a:t>5/12/2020</a:t>
+              <a:t>5/19/2020</a:t>
             </a:fld>
             <a:endParaRPr lang="en-US" dirty="0"/>
           </a:p>
@@ -2515,7 +2523,7 @@
           </a:lstStyle>
           <a:p>
             <a:r>
-              <a:rPr lang="es-ES" smtClean="0"/>
+              <a:rPr lang="es-ES"/>
               <a:t>Haga clic para modificar el estilo de título del patrón</a:t>
             </a:r>
             <a:endParaRPr lang="en-US" dirty="0"/>
@@ -2581,7 +2589,7 @@
           <a:p>
             <a:pPr lvl="0"/>
             <a:r>
-              <a:rPr lang="es-ES" smtClean="0"/>
+              <a:rPr lang="es-ES"/>
               <a:t>Haga clic para modificar el estilo de texto del patrón</a:t>
             </a:r>
           </a:p>
@@ -2604,7 +2612,7 @@
           <a:p>
             <a:fld id="{52E6D8D9-55A2-4063-B0F3-121F44549695}" type="datetimeFigureOut">
               <a:rPr lang="en-US" dirty="0"/>
-              <a:t>5/12/2020</a:t>
+              <a:t>5/19/2020</a:t>
             </a:fld>
             <a:endParaRPr lang="en-US" dirty="0"/>
           </a:p>
@@ -2842,7 +2850,7 @@
           <a:lstStyle/>
           <a:p>
             <a:r>
-              <a:rPr lang="es-ES" smtClean="0"/>
+              <a:rPr lang="es-ES"/>
               <a:t>Haga clic para modificar el estilo de título del patrón</a:t>
             </a:r>
             <a:endParaRPr lang="en-US" dirty="0"/>
@@ -2914,7 +2922,7 @@
           <a:p>
             <a:pPr lvl="0"/>
             <a:r>
-              <a:rPr lang="es-ES" smtClean="0"/>
+              <a:rPr lang="es-ES"/>
               <a:t>Haga clic para modificar el estilo de texto del patrón</a:t>
             </a:r>
           </a:p>
@@ -2981,7 +2989,7 @@
           <a:p>
             <a:pPr lvl="0"/>
             <a:r>
-              <a:rPr lang="es-ES" smtClean="0"/>
+              <a:rPr lang="es-ES"/>
               <a:t>Haga clic para modificar el estilo de texto del patrón</a:t>
             </a:r>
           </a:p>
@@ -3052,7 +3060,7 @@
           <a:p>
             <a:pPr lvl="0"/>
             <a:r>
-              <a:rPr lang="es-ES" smtClean="0"/>
+              <a:rPr lang="es-ES"/>
               <a:t>Haga clic para modificar el estilo de texto del patrón</a:t>
             </a:r>
           </a:p>
@@ -3119,7 +3127,7 @@
           <a:p>
             <a:pPr lvl="0"/>
             <a:r>
-              <a:rPr lang="es-ES" smtClean="0"/>
+              <a:rPr lang="es-ES"/>
               <a:t>Haga clic para modificar el estilo de texto del patrón</a:t>
             </a:r>
           </a:p>
@@ -3190,7 +3198,7 @@
           <a:p>
             <a:pPr lvl="0"/>
             <a:r>
-              <a:rPr lang="es-ES" smtClean="0"/>
+              <a:rPr lang="es-ES"/>
               <a:t>Haga clic para modificar el estilo de texto del patrón</a:t>
             </a:r>
           </a:p>
@@ -3257,7 +3265,7 @@
           <a:p>
             <a:pPr lvl="0"/>
             <a:r>
-              <a:rPr lang="es-ES" smtClean="0"/>
+              <a:rPr lang="es-ES"/>
               <a:t>Haga clic para modificar el estilo de texto del patrón</a:t>
             </a:r>
           </a:p>
@@ -3280,7 +3288,7 @@
           <a:p>
             <a:fld id="{D4B24536-994D-4021-A283-9F449C0DB509}" type="datetimeFigureOut">
               <a:rPr lang="en-US" dirty="0"/>
-              <a:t>5/12/2020</a:t>
+              <a:t>5/19/2020</a:t>
             </a:fld>
             <a:endParaRPr lang="en-US" dirty="0"/>
           </a:p>
@@ -3513,7 +3521,7 @@
           <a:lstStyle/>
           <a:p>
             <a:r>
-              <a:rPr lang="es-ES" smtClean="0"/>
+              <a:rPr lang="es-ES"/>
               <a:t>Haga clic para modificar el estilo de título del patrón</a:t>
             </a:r>
             <a:endParaRPr lang="en-US" dirty="0"/>
@@ -3585,7 +3593,7 @@
           <a:p>
             <a:pPr lvl="0"/>
             <a:r>
-              <a:rPr lang="es-ES" smtClean="0"/>
+              <a:rPr lang="es-ES"/>
               <a:t>Haga clic para modificar el estilo de texto del patrón</a:t>
             </a:r>
           </a:p>
@@ -3663,7 +3671,7 @@
           </a:lstStyle>
           <a:p>
             <a:r>
-              <a:rPr lang="es-ES" smtClean="0"/>
+              <a:rPr lang="es-ES"/>
               <a:t>Haga clic en el icono para agregar una imagen</a:t>
             </a:r>
             <a:endParaRPr lang="en-US" dirty="0"/>
@@ -3731,7 +3739,7 @@
           <a:p>
             <a:pPr lvl="0"/>
             <a:r>
-              <a:rPr lang="es-ES" smtClean="0"/>
+              <a:rPr lang="es-ES"/>
               <a:t>Haga clic para modificar el estilo de texto del patrón</a:t>
             </a:r>
           </a:p>
@@ -3802,7 +3810,7 @@
           <a:p>
             <a:pPr lvl="0"/>
             <a:r>
-              <a:rPr lang="es-ES" smtClean="0"/>
+              <a:rPr lang="es-ES"/>
               <a:t>Haga clic para modificar el estilo de texto del patrón</a:t>
             </a:r>
           </a:p>
@@ -3880,7 +3888,7 @@
           </a:lstStyle>
           <a:p>
             <a:r>
-              <a:rPr lang="es-ES" smtClean="0"/>
+              <a:rPr lang="es-ES"/>
               <a:t>Haga clic en el icono para agregar una imagen</a:t>
             </a:r>
             <a:endParaRPr lang="en-US" dirty="0"/>
@@ -3948,7 +3956,7 @@
           <a:p>
             <a:pPr lvl="0"/>
             <a:r>
-              <a:rPr lang="es-ES" smtClean="0"/>
+              <a:rPr lang="es-ES"/>
               <a:t>Haga clic para modificar el estilo de texto del patrón</a:t>
             </a:r>
           </a:p>
@@ -4019,7 +4027,7 @@
           <a:p>
             <a:pPr lvl="0"/>
             <a:r>
-              <a:rPr lang="es-ES" smtClean="0"/>
+              <a:rPr lang="es-ES"/>
               <a:t>Haga clic para modificar el estilo de texto del patrón</a:t>
             </a:r>
           </a:p>
@@ -4097,7 +4105,7 @@
           </a:lstStyle>
           <a:p>
             <a:r>
-              <a:rPr lang="es-ES" smtClean="0"/>
+              <a:rPr lang="es-ES"/>
               <a:t>Haga clic en el icono para agregar una imagen</a:t>
             </a:r>
             <a:endParaRPr lang="en-US" dirty="0"/>
@@ -4165,7 +4173,7 @@
           <a:p>
             <a:pPr lvl="0"/>
             <a:r>
-              <a:rPr lang="es-ES" smtClean="0"/>
+              <a:rPr lang="es-ES"/>
               <a:t>Haga clic para modificar el estilo de texto del patrón</a:t>
             </a:r>
           </a:p>
@@ -4188,7 +4196,7 @@
           <a:p>
             <a:fld id="{3CBBBB78-C96F-47B7-AB17-D852CA960AC9}" type="datetimeFigureOut">
               <a:rPr lang="en-US" dirty="0"/>
-              <a:t>5/12/2020</a:t>
+              <a:t>5/19/2020</a:t>
             </a:fld>
             <a:endParaRPr lang="en-US" dirty="0"/>
           </a:p>
@@ -4420,7 +4428,7 @@
           </a:lstStyle>
           <a:p>
             <a:r>
-              <a:rPr lang="es-ES" smtClean="0"/>
+              <a:rPr lang="es-ES"/>
               <a:t>Haga clic para modificar el estilo de título del patrón</a:t>
             </a:r>
             <a:endParaRPr lang="en-US" dirty="0"/>
@@ -4444,35 +4452,35 @@
           <a:p>
             <a:pPr lvl="0"/>
             <a:r>
-              <a:rPr lang="es-ES" smtClean="0"/>
+              <a:rPr lang="es-ES"/>
               <a:t>Haga clic para modificar el estilo de texto del patrón</a:t>
             </a:r>
           </a:p>
           <a:p>
             <a:pPr lvl="1"/>
             <a:r>
-              <a:rPr lang="es-ES" smtClean="0"/>
+              <a:rPr lang="es-ES"/>
               <a:t>Segundo nivel</a:t>
             </a:r>
           </a:p>
           <a:p>
             <a:pPr lvl="2"/>
             <a:r>
-              <a:rPr lang="es-ES" smtClean="0"/>
+              <a:rPr lang="es-ES"/>
               <a:t>Tercer nivel</a:t>
             </a:r>
           </a:p>
           <a:p>
             <a:pPr lvl="3"/>
             <a:r>
-              <a:rPr lang="es-ES" smtClean="0"/>
+              <a:rPr lang="es-ES"/>
               <a:t>Cuarto nivel</a:t>
             </a:r>
           </a:p>
           <a:p>
             <a:pPr lvl="4"/>
             <a:r>
-              <a:rPr lang="es-ES" smtClean="0"/>
+              <a:rPr lang="es-ES"/>
               <a:t>Quinto nivel</a:t>
             </a:r>
             <a:endParaRPr lang="en-US" dirty="0"/>
@@ -4496,7 +4504,7 @@
           <a:p>
             <a:fld id="{1FA3F48C-C7C6-4055-9F49-3777875E72AE}" type="datetimeFigureOut">
               <a:rPr lang="en-US" dirty="0"/>
-              <a:t>5/12/2020</a:t>
+              <a:t>5/19/2020</a:t>
             </a:fld>
             <a:endParaRPr lang="en-US" dirty="0"/>
           </a:p>
@@ -4669,7 +4677,7 @@
           <a:lstStyle/>
           <a:p>
             <a:r>
-              <a:rPr lang="es-ES" smtClean="0"/>
+              <a:rPr lang="es-ES"/>
               <a:t>Haga clic para modificar el estilo de título del patrón</a:t>
             </a:r>
             <a:endParaRPr lang="en-US" dirty="0"/>
@@ -4698,35 +4706,35 @@
           <a:p>
             <a:pPr lvl="0"/>
             <a:r>
-              <a:rPr lang="es-ES" smtClean="0"/>
+              <a:rPr lang="es-ES"/>
               <a:t>Haga clic para modificar el estilo de texto del patrón</a:t>
             </a:r>
           </a:p>
           <a:p>
             <a:pPr lvl="1"/>
             <a:r>
-              <a:rPr lang="es-ES" smtClean="0"/>
+              <a:rPr lang="es-ES"/>
               <a:t>Segundo nivel</a:t>
             </a:r>
           </a:p>
           <a:p>
             <a:pPr lvl="2"/>
             <a:r>
-              <a:rPr lang="es-ES" smtClean="0"/>
+              <a:rPr lang="es-ES"/>
               <a:t>Tercer nivel</a:t>
             </a:r>
           </a:p>
           <a:p>
             <a:pPr lvl="3"/>
             <a:r>
-              <a:rPr lang="es-ES" smtClean="0"/>
+              <a:rPr lang="es-ES"/>
               <a:t>Cuarto nivel</a:t>
             </a:r>
           </a:p>
           <a:p>
             <a:pPr lvl="4"/>
             <a:r>
-              <a:rPr lang="es-ES" smtClean="0"/>
+              <a:rPr lang="es-ES"/>
               <a:t>Quinto nivel</a:t>
             </a:r>
             <a:endParaRPr lang="en-US" dirty="0"/>
@@ -4755,7 +4763,7 @@
           <a:p>
             <a:fld id="{6178E61D-D431-422C-9764-11DAFE33AB63}" type="datetimeFigureOut">
               <a:rPr lang="en-US" dirty="0"/>
-              <a:t>5/12/2020</a:t>
+              <a:t>5/19/2020</a:t>
             </a:fld>
             <a:endParaRPr lang="en-US" dirty="0"/>
           </a:p>
@@ -4998,7 +5006,7 @@
           <a:lstStyle/>
           <a:p>
             <a:r>
-              <a:rPr lang="es-ES" smtClean="0"/>
+              <a:rPr lang="es-ES"/>
               <a:t>Haga clic para modificar el estilo de título del patrón</a:t>
             </a:r>
             <a:endParaRPr lang="en-US" dirty="0"/>
@@ -5022,35 +5030,35 @@
           <a:p>
             <a:pPr lvl="0"/>
             <a:r>
-              <a:rPr lang="es-ES" smtClean="0"/>
+              <a:rPr lang="es-ES"/>
               <a:t>Haga clic para modificar el estilo de texto del patrón</a:t>
             </a:r>
           </a:p>
           <a:p>
             <a:pPr lvl="1"/>
             <a:r>
-              <a:rPr lang="es-ES" smtClean="0"/>
+              <a:rPr lang="es-ES"/>
               <a:t>Segundo nivel</a:t>
             </a:r>
           </a:p>
           <a:p>
             <a:pPr lvl="2"/>
             <a:r>
-              <a:rPr lang="es-ES" smtClean="0"/>
+              <a:rPr lang="es-ES"/>
               <a:t>Tercer nivel</a:t>
             </a:r>
           </a:p>
           <a:p>
             <a:pPr lvl="3"/>
             <a:r>
-              <a:rPr lang="es-ES" smtClean="0"/>
+              <a:rPr lang="es-ES"/>
               <a:t>Cuarto nivel</a:t>
             </a:r>
           </a:p>
           <a:p>
             <a:pPr lvl="4"/>
             <a:r>
-              <a:rPr lang="es-ES" smtClean="0"/>
+              <a:rPr lang="es-ES"/>
               <a:t>Quinto nivel</a:t>
             </a:r>
             <a:endParaRPr lang="en-US" dirty="0"/>
@@ -5074,7 +5082,7 @@
           <a:p>
             <a:fld id="{12DE42F4-6EEF-4EF7-8ED4-2208F0F89A08}" type="datetimeFigureOut">
               <a:rPr lang="en-US" dirty="0"/>
-              <a:t>5/12/2020</a:t>
+              <a:t>5/19/2020</a:t>
             </a:fld>
             <a:endParaRPr lang="en-US" dirty="0"/>
           </a:p>
@@ -5313,7 +5321,7 @@
           </a:lstStyle>
           <a:p>
             <a:r>
-              <a:rPr lang="es-ES" smtClean="0"/>
+              <a:rPr lang="es-ES"/>
               <a:t>Haga clic para modificar el estilo de título del patrón</a:t>
             </a:r>
             <a:endParaRPr lang="en-US" dirty="0"/>
@@ -5435,7 +5443,7 @@
           <a:p>
             <a:pPr lvl="0"/>
             <a:r>
-              <a:rPr lang="es-ES" smtClean="0"/>
+              <a:rPr lang="es-ES"/>
               <a:t>Haga clic para modificar el estilo de texto del patrón</a:t>
             </a:r>
           </a:p>
@@ -5458,7 +5466,7 @@
           <a:p>
             <a:fld id="{30578ACC-22D6-47C1-A373-4FD133E34F3C}" type="datetimeFigureOut">
               <a:rPr lang="en-US" dirty="0"/>
-              <a:t>5/12/2020</a:t>
+              <a:t>5/19/2020</a:t>
             </a:fld>
             <a:endParaRPr lang="en-US" dirty="0"/>
           </a:p>
@@ -5691,7 +5699,7 @@
           <a:lstStyle/>
           <a:p>
             <a:r>
-              <a:rPr lang="es-ES" smtClean="0"/>
+              <a:rPr lang="es-ES"/>
               <a:t>Haga clic para modificar el estilo de título del patrón</a:t>
             </a:r>
             <a:endParaRPr lang="en-US" dirty="0"/>
@@ -5720,35 +5728,35 @@
           <a:p>
             <a:pPr lvl="0"/>
             <a:r>
-              <a:rPr lang="es-ES" smtClean="0"/>
+              <a:rPr lang="es-ES"/>
               <a:t>Haga clic para modificar el estilo de texto del patrón</a:t>
             </a:r>
           </a:p>
           <a:p>
             <a:pPr lvl="1"/>
             <a:r>
-              <a:rPr lang="es-ES" smtClean="0"/>
+              <a:rPr lang="es-ES"/>
               <a:t>Segundo nivel</a:t>
             </a:r>
           </a:p>
           <a:p>
             <a:pPr lvl="2"/>
             <a:r>
-              <a:rPr lang="es-ES" smtClean="0"/>
+              <a:rPr lang="es-ES"/>
               <a:t>Tercer nivel</a:t>
             </a:r>
           </a:p>
           <a:p>
             <a:pPr lvl="3"/>
             <a:r>
-              <a:rPr lang="es-ES" smtClean="0"/>
+              <a:rPr lang="es-ES"/>
               <a:t>Cuarto nivel</a:t>
             </a:r>
           </a:p>
           <a:p>
             <a:pPr lvl="4"/>
             <a:r>
-              <a:rPr lang="es-ES" smtClean="0"/>
+              <a:rPr lang="es-ES"/>
               <a:t>Quinto nivel</a:t>
             </a:r>
             <a:endParaRPr lang="en-US" dirty="0"/>
@@ -5777,35 +5785,35 @@
           <a:p>
             <a:pPr lvl="0"/>
             <a:r>
-              <a:rPr lang="es-ES" smtClean="0"/>
+              <a:rPr lang="es-ES"/>
               <a:t>Haga clic para modificar el estilo de texto del patrón</a:t>
             </a:r>
           </a:p>
           <a:p>
             <a:pPr lvl="1"/>
             <a:r>
-              <a:rPr lang="es-ES" smtClean="0"/>
+              <a:rPr lang="es-ES"/>
               <a:t>Segundo nivel</a:t>
             </a:r>
           </a:p>
           <a:p>
             <a:pPr lvl="2"/>
             <a:r>
-              <a:rPr lang="es-ES" smtClean="0"/>
+              <a:rPr lang="es-ES"/>
               <a:t>Tercer nivel</a:t>
             </a:r>
           </a:p>
           <a:p>
             <a:pPr lvl="3"/>
             <a:r>
-              <a:rPr lang="es-ES" smtClean="0"/>
+              <a:rPr lang="es-ES"/>
               <a:t>Cuarto nivel</a:t>
             </a:r>
           </a:p>
           <a:p>
             <a:pPr lvl="4"/>
             <a:r>
-              <a:rPr lang="es-ES" smtClean="0"/>
+              <a:rPr lang="es-ES"/>
               <a:t>Quinto nivel</a:t>
             </a:r>
             <a:endParaRPr lang="en-US" dirty="0"/>
@@ -5829,7 +5837,7 @@
           <a:p>
             <a:fld id="{4E5A6C69-6797-4E8A-BF37-F2C3751466E9}" type="datetimeFigureOut">
               <a:rPr lang="en-US" dirty="0"/>
-              <a:t>5/12/2020</a:t>
+              <a:t>5/19/2020</a:t>
             </a:fld>
             <a:endParaRPr lang="en-US" dirty="0"/>
           </a:p>
@@ -6062,7 +6070,7 @@
           <a:lstStyle/>
           <a:p>
             <a:r>
-              <a:rPr lang="es-ES" smtClean="0"/>
+              <a:rPr lang="es-ES"/>
               <a:t>Haga clic para modificar el estilo de título del patrón</a:t>
             </a:r>
             <a:endParaRPr lang="en-US" dirty="0"/>
@@ -6128,7 +6136,7 @@
           <a:p>
             <a:pPr lvl="0"/>
             <a:r>
-              <a:rPr lang="es-ES" smtClean="0"/>
+              <a:rPr lang="es-ES"/>
               <a:t>Haga clic para modificar el estilo de texto del patrón</a:t>
             </a:r>
           </a:p>
@@ -6156,35 +6164,35 @@
           <a:p>
             <a:pPr lvl="0"/>
             <a:r>
-              <a:rPr lang="es-ES" smtClean="0"/>
+              <a:rPr lang="es-ES"/>
               <a:t>Haga clic para modificar el estilo de texto del patrón</a:t>
             </a:r>
           </a:p>
           <a:p>
             <a:pPr lvl="1"/>
             <a:r>
-              <a:rPr lang="es-ES" smtClean="0"/>
+              <a:rPr lang="es-ES"/>
               <a:t>Segundo nivel</a:t>
             </a:r>
           </a:p>
           <a:p>
             <a:pPr lvl="2"/>
             <a:r>
-              <a:rPr lang="es-ES" smtClean="0"/>
+              <a:rPr lang="es-ES"/>
               <a:t>Tercer nivel</a:t>
             </a:r>
           </a:p>
           <a:p>
             <a:pPr lvl="3"/>
             <a:r>
-              <a:rPr lang="es-ES" smtClean="0"/>
+              <a:rPr lang="es-ES"/>
               <a:t>Cuarto nivel</a:t>
             </a:r>
           </a:p>
           <a:p>
             <a:pPr lvl="4"/>
             <a:r>
-              <a:rPr lang="es-ES" smtClean="0"/>
+              <a:rPr lang="es-ES"/>
               <a:t>Quinto nivel</a:t>
             </a:r>
             <a:endParaRPr lang="en-US" dirty="0"/>
@@ -6250,7 +6258,7 @@
           <a:p>
             <a:pPr lvl="0"/>
             <a:r>
-              <a:rPr lang="es-ES" smtClean="0"/>
+              <a:rPr lang="es-ES"/>
               <a:t>Haga clic para modificar el estilo de texto del patrón</a:t>
             </a:r>
           </a:p>
@@ -6278,35 +6286,35 @@
           <a:p>
             <a:pPr lvl="0"/>
             <a:r>
-              <a:rPr lang="es-ES" smtClean="0"/>
+              <a:rPr lang="es-ES"/>
               <a:t>Haga clic para modificar el estilo de texto del patrón</a:t>
             </a:r>
           </a:p>
           <a:p>
             <a:pPr lvl="1"/>
             <a:r>
-              <a:rPr lang="es-ES" smtClean="0"/>
+              <a:rPr lang="es-ES"/>
               <a:t>Segundo nivel</a:t>
             </a:r>
           </a:p>
           <a:p>
             <a:pPr lvl="2"/>
             <a:r>
-              <a:rPr lang="es-ES" smtClean="0"/>
+              <a:rPr lang="es-ES"/>
               <a:t>Tercer nivel</a:t>
             </a:r>
           </a:p>
           <a:p>
             <a:pPr lvl="3"/>
             <a:r>
-              <a:rPr lang="es-ES" smtClean="0"/>
+              <a:rPr lang="es-ES"/>
               <a:t>Cuarto nivel</a:t>
             </a:r>
           </a:p>
           <a:p>
             <a:pPr lvl="4"/>
             <a:r>
-              <a:rPr lang="es-ES" smtClean="0"/>
+              <a:rPr lang="es-ES"/>
               <a:t>Quinto nivel</a:t>
             </a:r>
             <a:endParaRPr lang="en-US" dirty="0"/>
@@ -6330,7 +6338,7 @@
           <a:p>
             <a:fld id="{D82014A1-A632-4878-A0D3-F52BA7563730}" type="datetimeFigureOut">
               <a:rPr lang="en-US" dirty="0"/>
-              <a:t>5/12/2020</a:t>
+              <a:t>5/19/2020</a:t>
             </a:fld>
             <a:endParaRPr lang="en-US" dirty="0"/>
           </a:p>
@@ -6558,7 +6566,7 @@
           <a:lstStyle/>
           <a:p>
             <a:r>
-              <a:rPr lang="es-ES" smtClean="0"/>
+              <a:rPr lang="es-ES"/>
               <a:t>Haga clic para modificar el estilo de título del patrón</a:t>
             </a:r>
             <a:endParaRPr lang="en-US" dirty="0"/>
@@ -6582,7 +6590,7 @@
           <a:p>
             <a:fld id="{CE99F462-093F-4566-844B-4C71F2739DA5}" type="datetimeFigureOut">
               <a:rPr lang="en-US" dirty="0"/>
-              <a:t>5/12/2020</a:t>
+              <a:t>5/19/2020</a:t>
             </a:fld>
             <a:endParaRPr lang="en-US" dirty="0"/>
           </a:p>
@@ -6740,7 +6748,7 @@
           <a:p>
             <a:fld id="{3D24A7AC-904D-4781-85BA-7D10C17ED021}" type="datetimeFigureOut">
               <a:rPr lang="en-US" dirty="0"/>
-              <a:t>5/12/2020</a:t>
+              <a:t>5/19/2020</a:t>
             </a:fld>
             <a:endParaRPr lang="en-US" dirty="0"/>
           </a:p>
@@ -6979,7 +6987,7 @@
           </a:lstStyle>
           <a:p>
             <a:r>
-              <a:rPr lang="es-ES" smtClean="0"/>
+              <a:rPr lang="es-ES"/>
               <a:t>Haga clic para modificar el estilo de título del patrón</a:t>
             </a:r>
             <a:endParaRPr lang="en-US" dirty="0"/>
@@ -7008,35 +7016,35 @@
           <a:p>
             <a:pPr lvl="0"/>
             <a:r>
-              <a:rPr lang="es-ES" smtClean="0"/>
+              <a:rPr lang="es-ES"/>
               <a:t>Haga clic para modificar el estilo de texto del patrón</a:t>
             </a:r>
           </a:p>
           <a:p>
             <a:pPr lvl="1"/>
             <a:r>
-              <a:rPr lang="es-ES" smtClean="0"/>
+              <a:rPr lang="es-ES"/>
               <a:t>Segundo nivel</a:t>
             </a:r>
           </a:p>
           <a:p>
             <a:pPr lvl="2"/>
             <a:r>
-              <a:rPr lang="es-ES" smtClean="0"/>
+              <a:rPr lang="es-ES"/>
               <a:t>Tercer nivel</a:t>
             </a:r>
           </a:p>
           <a:p>
             <a:pPr lvl="3"/>
             <a:r>
-              <a:rPr lang="es-ES" smtClean="0"/>
+              <a:rPr lang="es-ES"/>
               <a:t>Cuarto nivel</a:t>
             </a:r>
           </a:p>
           <a:p>
             <a:pPr lvl="4"/>
             <a:r>
-              <a:rPr lang="es-ES" smtClean="0"/>
+              <a:rPr lang="es-ES"/>
               <a:t>Quinto nivel</a:t>
             </a:r>
             <a:endParaRPr lang="en-US" dirty="0"/>
@@ -7102,7 +7110,7 @@
           <a:p>
             <a:pPr lvl="0"/>
             <a:r>
-              <a:rPr lang="es-ES" smtClean="0"/>
+              <a:rPr lang="es-ES"/>
               <a:t>Haga clic para modificar el estilo de texto del patrón</a:t>
             </a:r>
           </a:p>
@@ -7125,7 +7133,7 @@
           <a:p>
             <a:fld id="{E331444B-B92B-4E27-8C94-BB93EAF5CB18}" type="datetimeFigureOut">
               <a:rPr lang="en-US" dirty="0"/>
-              <a:t>5/12/2020</a:t>
+              <a:t>5/19/2020</a:t>
             </a:fld>
             <a:endParaRPr lang="en-US" dirty="0"/>
           </a:p>
@@ -7364,7 +7372,7 @@
           </a:lstStyle>
           <a:p>
             <a:r>
-              <a:rPr lang="es-ES" smtClean="0"/>
+              <a:rPr lang="es-ES"/>
               <a:t>Haga clic para modificar el estilo de título del patrón</a:t>
             </a:r>
             <a:endParaRPr lang="en-US" dirty="0"/>
@@ -7440,7 +7448,7 @@
           </a:lstStyle>
           <a:p>
             <a:r>
-              <a:rPr lang="es-ES" smtClean="0"/>
+              <a:rPr lang="es-ES"/>
               <a:t>Haga clic en el icono para agregar una imagen</a:t>
             </a:r>
             <a:endParaRPr lang="en-US" dirty="0"/>
@@ -7506,7 +7514,7 @@
           <a:p>
             <a:pPr lvl="0"/>
             <a:r>
-              <a:rPr lang="es-ES" smtClean="0"/>
+              <a:rPr lang="es-ES"/>
               <a:t>Haga clic para modificar el estilo de texto del patrón</a:t>
             </a:r>
           </a:p>
@@ -7529,7 +7537,7 @@
           <a:p>
             <a:fld id="{363EFA5E-FA76-400D-B3DC-F0BA90E6D107}" type="datetimeFigureOut">
               <a:rPr lang="en-US" dirty="0"/>
-              <a:t>5/12/2020</a:t>
+              <a:t>5/19/2020</a:t>
             </a:fld>
             <a:endParaRPr lang="en-US" dirty="0"/>
           </a:p>
@@ -7664,7 +7672,7 @@
           <a:lstStyle/>
           <a:p>
             <a:r>
-              <a:rPr lang="es-ES" smtClean="0"/>
+              <a:rPr lang="es-ES"/>
               <a:t>Haga clic para modificar el estilo de título del patrón</a:t>
             </a:r>
             <a:endParaRPr lang="en-US" dirty="0"/>
@@ -7698,35 +7706,35 @@
           <a:p>
             <a:pPr lvl="0"/>
             <a:r>
-              <a:rPr lang="es-ES" smtClean="0"/>
+              <a:rPr lang="es-ES"/>
               <a:t>Haga clic para modificar el estilo de texto del patrón</a:t>
             </a:r>
           </a:p>
           <a:p>
             <a:pPr lvl="1"/>
             <a:r>
-              <a:rPr lang="es-ES" smtClean="0"/>
+              <a:rPr lang="es-ES"/>
               <a:t>Segundo nivel</a:t>
             </a:r>
           </a:p>
           <a:p>
             <a:pPr lvl="2"/>
             <a:r>
-              <a:rPr lang="es-ES" smtClean="0"/>
+              <a:rPr lang="es-ES"/>
               <a:t>Tercer nivel</a:t>
             </a:r>
           </a:p>
           <a:p>
             <a:pPr lvl="3"/>
             <a:r>
-              <a:rPr lang="es-ES" smtClean="0"/>
+              <a:rPr lang="es-ES"/>
               <a:t>Cuarto nivel</a:t>
             </a:r>
           </a:p>
           <a:p>
             <a:pPr lvl="4"/>
             <a:r>
-              <a:rPr lang="es-ES" smtClean="0"/>
+              <a:rPr lang="es-ES"/>
               <a:t>Quinto nivel</a:t>
             </a:r>
             <a:endParaRPr lang="en-US" dirty="0"/>
@@ -7768,7 +7776,7 @@
           <a:p>
             <a:fld id="{9D6E9DEC-419B-4CC5-A080-3B06BD5A8291}" type="datetimeFigureOut">
               <a:rPr lang="en-US" dirty="0"/>
-              <a:t>5/12/2020</a:t>
+              <a:t>5/19/2020</a:t>
             </a:fld>
             <a:endParaRPr lang="en-US" dirty="0"/>
           </a:p>
@@ -8192,7 +8200,7 @@
           <a:lstStyle/>
           <a:p>
             <a:r>
-              <a:rPr lang="es-CO" b="1" i="1" dirty="0" smtClean="0"/>
+              <a:rPr lang="es-CO" b="1" i="1" dirty="0"/>
               <a:t>MVC</a:t>
             </a:r>
             <a:endParaRPr lang="es-ES" dirty="0"/>
@@ -8272,13 +8280,6 @@
   <p:clrMapOvr>
     <a:masterClrMapping/>
   </p:clrMapOvr>
-  <p:timing>
-    <p:tnLst>
-      <p:par>
-        <p:cTn id="1" dur="indefinite" restart="never" nodeType="tmRoot"/>
-      </p:par>
-    </p:tnLst>
-  </p:timing>
 </p:sld>
 </file>
 
@@ -8315,10 +8316,9 @@
           <a:lstStyle/>
           <a:p>
             <a:r>
-              <a:rPr lang="es-ES" dirty="0" smtClean="0"/>
+              <a:rPr lang="es-ES" dirty="0"/>
               <a:t>Navegación</a:t>
             </a:r>
-            <a:endParaRPr lang="es-ES" dirty="0"/>
           </a:p>
         </p:txBody>
       </p:sp>
@@ -8356,13 +8356,6 @@
   <p:clrMapOvr>
     <a:masterClrMapping/>
   </p:clrMapOvr>
-  <p:timing>
-    <p:tnLst>
-      <p:par>
-        <p:cTn id="1" dur="indefinite" restart="never" nodeType="tmRoot"/>
-      </p:par>
-    </p:tnLst>
-  </p:timing>
 </p:sld>
 </file>
 
@@ -8399,10 +8392,9 @@
           <a:lstStyle/>
           <a:p>
             <a:r>
-              <a:rPr lang="es-ES" dirty="0" smtClean="0"/>
+              <a:rPr lang="es-ES" dirty="0"/>
               <a:t>Módulos</a:t>
             </a:r>
-            <a:endParaRPr lang="es-ES" dirty="0"/>
           </a:p>
         </p:txBody>
       </p:sp>
@@ -8512,13 +8504,6 @@
   <p:clrMapOvr>
     <a:masterClrMapping/>
   </p:clrMapOvr>
-  <p:timing>
-    <p:tnLst>
-      <p:par>
-        <p:cTn id="1" dur="indefinite" restart="never" nodeType="tmRoot"/>
-      </p:par>
-    </p:tnLst>
-  </p:timing>
 </p:sld>
 </file>
 
@@ -8555,10 +8540,9 @@
           <a:lstStyle/>
           <a:p>
             <a:r>
-              <a:rPr lang="es-ES" dirty="0" smtClean="0"/>
+              <a:rPr lang="es-ES" dirty="0"/>
               <a:t>CSS</a:t>
             </a:r>
-            <a:endParaRPr lang="es-ES" dirty="0"/>
           </a:p>
         </p:txBody>
       </p:sp>
@@ -8596,13 +8580,6 @@
   <p:clrMapOvr>
     <a:masterClrMapping/>
   </p:clrMapOvr>
-  <p:timing>
-    <p:tnLst>
-      <p:par>
-        <p:cTn id="1" dur="indefinite" restart="never" nodeType="tmRoot"/>
-      </p:par>
-    </p:tnLst>
-  </p:timing>
 </p:sld>
 </file>
 
@@ -8711,10 +8688,9 @@
           <a:lstStyle/>
           <a:p>
             <a:r>
-              <a:rPr lang="es-ES" dirty="0" smtClean="0"/>
+              <a:rPr lang="es-ES" dirty="0"/>
               <a:t>MVC</a:t>
             </a:r>
-            <a:endParaRPr lang="es-ES" dirty="0"/>
           </a:p>
         </p:txBody>
       </p:sp>
@@ -9026,13 +9002,6 @@
   <p:clrMapOvr>
     <a:masterClrMapping/>
   </p:clrMapOvr>
-  <p:timing>
-    <p:tnLst>
-      <p:par>
-        <p:cTn id="1" dur="indefinite" restart="never" nodeType="tmRoot"/>
-      </p:par>
-    </p:tnLst>
-  </p:timing>
 </p:sld>
 </file>
 
@@ -9071,7 +9040,7 @@
           <a:lstStyle/>
           <a:p>
             <a:r>
-              <a:rPr lang="es-ES" sz="3200" dirty="0" smtClean="0"/>
+              <a:rPr lang="es-ES" sz="3200" dirty="0"/>
               <a:t>Cambio para trabajar con base de datos</a:t>
             </a:r>
             <a:endParaRPr lang="en-US" sz="3200" dirty="0"/>
@@ -9094,10 +9063,9 @@
           <a:lstStyle/>
           <a:p>
             <a:r>
-              <a:rPr lang="es-ES" dirty="0" smtClean="0"/>
+              <a:rPr lang="es-ES" dirty="0"/>
               <a:t>No usar valores numéricos para identificar las páginas…. Usar el nombre propio de la página…</a:t>
             </a:r>
-            <a:endParaRPr lang="es-ES" dirty="0"/>
           </a:p>
         </p:txBody>
       </p:sp>
@@ -9159,14 +9127,6 @@
   <p:clrMapOvr>
     <a:masterClrMapping/>
   </p:clrMapOvr>
-  <mc:AlternateContent xmlns:mc="http://schemas.openxmlformats.org/markup-compatibility/2006" xmlns:p14="http://schemas.microsoft.com/office/powerpoint/2010/main">
-    <mc:Choice Requires="p14">
-      <p:transition spd="slow" p14:dur="2000"/>
-    </mc:Choice>
-    <mc:Fallback xmlns="">
-      <p:transition spd="slow"/>
-    </mc:Fallback>
-  </mc:AlternateContent>
   <p:timing>
     <p:tnLst>
       <p:par>
@@ -9369,10 +9329,9 @@
           <a:lstStyle/>
           <a:p>
             <a:r>
-              <a:rPr lang="es-ES" dirty="0" smtClean="0"/>
+              <a:rPr lang="es-ES" dirty="0"/>
               <a:t>Cambio en el menú de navegación</a:t>
             </a:r>
-            <a:endParaRPr lang="es-ES" dirty="0"/>
           </a:p>
         </p:txBody>
       </p:sp>
@@ -9410,13 +9369,6 @@
   <p:clrMapOvr>
     <a:masterClrMapping/>
   </p:clrMapOvr>
-  <p:timing>
-    <p:tnLst>
-      <p:par>
-        <p:cTn id="1" dur="indefinite" restart="never" nodeType="tmRoot"/>
-      </p:par>
-    </p:tnLst>
-  </p:timing>
 </p:sld>
 </file>
 
@@ -9453,10 +9405,9 @@
           <a:lstStyle/>
           <a:p>
             <a:r>
-              <a:rPr lang="es-ES" dirty="0" smtClean="0"/>
+              <a:rPr lang="es-ES" dirty="0"/>
               <a:t>Crear formulario de registro</a:t>
             </a:r>
-            <a:endParaRPr lang="es-ES" dirty="0"/>
           </a:p>
         </p:txBody>
       </p:sp>
@@ -9494,13 +9445,6 @@
   <p:clrMapOvr>
     <a:masterClrMapping/>
   </p:clrMapOvr>
-  <p:timing>
-    <p:tnLst>
-      <p:par>
-        <p:cTn id="1" dur="indefinite" restart="never" nodeType="tmRoot"/>
-      </p:par>
-    </p:tnLst>
-  </p:timing>
 </p:sld>
 </file>
 
@@ -9537,10 +9481,9 @@
           <a:lstStyle/>
           <a:p>
             <a:r>
-              <a:rPr lang="es-ES" dirty="0" smtClean="0"/>
+              <a:rPr lang="es-ES" dirty="0"/>
               <a:t>Base de datos</a:t>
             </a:r>
-            <a:endParaRPr lang="es-ES" dirty="0"/>
           </a:p>
         </p:txBody>
       </p:sp>
@@ -9578,13 +9521,6 @@
   <p:clrMapOvr>
     <a:masterClrMapping/>
   </p:clrMapOvr>
-  <p:timing>
-    <p:tnLst>
-      <p:par>
-        <p:cTn id="1" dur="indefinite" restart="never" nodeType="tmRoot"/>
-      </p:par>
-    </p:tnLst>
-  </p:timing>
 </p:sld>
 </file>
 
@@ -9621,10 +9557,9 @@
           <a:lstStyle/>
           <a:p>
             <a:r>
-              <a:rPr lang="es-ES" dirty="0" smtClean="0"/>
+              <a:rPr lang="es-ES" dirty="0"/>
               <a:t>Conexión a base de datos</a:t>
             </a:r>
-            <a:endParaRPr lang="es-ES" dirty="0"/>
           </a:p>
         </p:txBody>
       </p:sp>
@@ -9662,13 +9597,6 @@
   <p:clrMapOvr>
     <a:masterClrMapping/>
   </p:clrMapOvr>
-  <p:timing>
-    <p:tnLst>
-      <p:par>
-        <p:cTn id="1" dur="indefinite" restart="never" nodeType="tmRoot"/>
-      </p:par>
-    </p:tnLst>
-  </p:timing>
 </p:sld>
 </file>
 
@@ -9705,10 +9633,9 @@
           <a:lstStyle/>
           <a:p>
             <a:r>
-              <a:rPr lang="es-ES" dirty="0" smtClean="0"/>
+              <a:rPr lang="es-ES" dirty="0"/>
               <a:t>CRUD – Registro usuarios - modelo</a:t>
             </a:r>
-            <a:endParaRPr lang="es-ES" dirty="0"/>
           </a:p>
         </p:txBody>
       </p:sp>
@@ -9746,13 +9673,6 @@
   <p:clrMapOvr>
     <a:masterClrMapping/>
   </p:clrMapOvr>
-  <p:timing>
-    <p:tnLst>
-      <p:par>
-        <p:cTn id="1" dur="indefinite" restart="never" nodeType="tmRoot"/>
-      </p:par>
-    </p:tnLst>
-  </p:timing>
 </p:sld>
 </file>
 
@@ -9791,7 +9711,7 @@
           <a:lstStyle/>
           <a:p>
             <a:r>
-              <a:rPr lang="es-ES" sz="3200" b="1" dirty="0" smtClean="0">
+              <a:rPr lang="es-ES" sz="3200" b="1" dirty="0">
                 <a:solidFill>
                   <a:srgbClr val="FF0000"/>
                 </a:solidFill>
@@ -9799,11 +9719,11 @@
               <a:t>M</a:t>
             </a:r>
             <a:r>
-              <a:rPr lang="es-ES" sz="3200" dirty="0" smtClean="0"/>
+              <a:rPr lang="es-ES" sz="3200" dirty="0"/>
               <a:t>odelo – </a:t>
             </a:r>
             <a:r>
-              <a:rPr lang="es-ES" sz="3200" b="1" dirty="0" smtClean="0">
+              <a:rPr lang="es-ES" sz="3200" b="1" dirty="0">
                 <a:solidFill>
                   <a:srgbClr val="FF0000"/>
                 </a:solidFill>
@@ -9811,11 +9731,11 @@
               <a:t>V</a:t>
             </a:r>
             <a:r>
-              <a:rPr lang="es-ES" sz="3200" dirty="0" smtClean="0"/>
+              <a:rPr lang="es-ES" sz="3200" dirty="0"/>
               <a:t>ista -</a:t>
             </a:r>
             <a:r>
-              <a:rPr lang="es-ES" sz="3200" b="1" dirty="0" smtClean="0">
+              <a:rPr lang="es-ES" sz="3200" b="1" dirty="0">
                 <a:solidFill>
                   <a:srgbClr val="FF0000"/>
                 </a:solidFill>
@@ -9823,7 +9743,7 @@
               <a:t>C</a:t>
             </a:r>
             <a:r>
-              <a:rPr lang="es-ES" sz="3200" dirty="0" smtClean="0"/>
+              <a:rPr lang="es-ES" sz="3200" dirty="0"/>
               <a:t>ontrolador</a:t>
             </a:r>
             <a:endParaRPr lang="en-US" sz="3200" dirty="0"/>
@@ -9856,78 +9776,25 @@
               <a:buNone/>
             </a:pPr>
             <a:r>
-              <a:rPr lang="es-ES" dirty="0" smtClean="0"/>
+              <a:rPr lang="es-ES" dirty="0"/>
               <a:t>Este patrón </a:t>
             </a:r>
             <a:r>
-              <a:rPr lang="en-US" dirty="0" smtClean="0"/>
+              <a:rPr lang="en-US" dirty="0"/>
               <a:t>de </a:t>
             </a:r>
             <a:r>
-              <a:rPr lang="es-ES" dirty="0" smtClean="0"/>
+              <a:rPr lang="es-ES" dirty="0"/>
               <a:t>arquitectura</a:t>
             </a:r>
             <a:r>
-              <a:rPr lang="en-US" dirty="0" smtClean="0"/>
-              <a:t> </a:t>
-            </a:r>
-            <a:r>
               <a:rPr lang="en-US" dirty="0"/>
-              <a:t>de software </a:t>
-            </a:r>
-            <a:r>
-              <a:rPr lang="es-ES" dirty="0" smtClean="0"/>
-              <a:t>se </a:t>
+              <a:t> de software </a:t>
             </a:r>
             <a:r>
               <a:rPr lang="es-ES" dirty="0"/>
-              <a:t>basa en las ideas de </a:t>
-            </a:r>
-            <a:r>
-              <a:rPr lang="es-ES" dirty="0" smtClean="0"/>
-              <a:t>reutilización </a:t>
-            </a:r>
-            <a:r>
-              <a:rPr lang="es-ES" dirty="0"/>
-              <a:t>de </a:t>
-            </a:r>
-            <a:r>
-              <a:rPr lang="es-ES" dirty="0" smtClean="0"/>
-              <a:t>código y la separación </a:t>
-            </a:r>
-            <a:r>
-              <a:rPr lang="es-ES" dirty="0"/>
-              <a:t>de </a:t>
-            </a:r>
-            <a:r>
-              <a:rPr lang="es-ES" dirty="0" smtClean="0"/>
-              <a:t>conceptos, </a:t>
-            </a:r>
-            <a:r>
-              <a:rPr lang="es-ES" dirty="0"/>
-              <a:t>características que buscan facilitar la tarea </a:t>
-            </a:r>
-            <a:r>
-              <a:rPr lang="es-ES" dirty="0" smtClean="0"/>
-              <a:t>de  </a:t>
-            </a:r>
-            <a:r>
-              <a:rPr lang="es-ES" dirty="0"/>
-              <a:t>desarrollo  de  aplicaciones  y  su  posterior  </a:t>
-            </a:r>
-            <a:r>
-              <a:rPr lang="es-ES" dirty="0" smtClean="0"/>
-              <a:t>mantenimiento de  </a:t>
-            </a:r>
-            <a:r>
-              <a:rPr lang="es-ES" dirty="0"/>
-              <a:t>forma </a:t>
-            </a:r>
-            <a:r>
-              <a:rPr lang="es-ES" dirty="0" smtClean="0"/>
-              <a:t>efectiva.</a:t>
-            </a:r>
-            <a:endParaRPr lang="es-ES" dirty="0"/>
+              <a:t>se basa en las ideas de reutilización de código y la separación de conceptos, características que buscan facilitar la tarea de  desarrollo  de  aplicaciones  y  su  posterior  mantenimiento de  forma efectiva.</a:t>
+            </a:r>
           </a:p>
         </p:txBody>
       </p:sp>
@@ -10011,7 +9878,7 @@
           <a:lstStyle/>
           <a:p>
             <a:r>
-              <a:rPr lang="es-ES" smtClean="0"/>
+              <a:rPr lang="es-ES"/>
               <a:t>https://diego.com.es/patrones-de-diseno-en-php</a:t>
             </a:r>
             <a:endParaRPr lang="es-ES" dirty="0"/>
@@ -10056,13 +9923,6 @@
   <p:clrMapOvr>
     <a:masterClrMapping/>
   </p:clrMapOvr>
-  <p:timing>
-    <p:tnLst>
-      <p:par>
-        <p:cTn id="1" dur="indefinite" restart="never" nodeType="tmRoot"/>
-      </p:par>
-    </p:tnLst>
-  </p:timing>
 </p:sld>
 </file>
 
@@ -10099,10 +9959,9 @@
           <a:lstStyle/>
           <a:p>
             <a:r>
-              <a:rPr lang="es-ES" dirty="0" smtClean="0"/>
+              <a:rPr lang="es-ES" dirty="0"/>
               <a:t>Actualización de controlador</a:t>
             </a:r>
-            <a:endParaRPr lang="es-ES" dirty="0"/>
           </a:p>
         </p:txBody>
       </p:sp>
@@ -10140,13 +9999,6 @@
   <p:clrMapOvr>
     <a:masterClrMapping/>
   </p:clrMapOvr>
-  <p:timing>
-    <p:tnLst>
-      <p:par>
-        <p:cTn id="1" dur="indefinite" restart="never" nodeType="tmRoot"/>
-      </p:par>
-    </p:tnLst>
-  </p:timing>
 </p:sld>
 </file>
 
@@ -10183,10 +10035,9 @@
           <a:lstStyle/>
           <a:p>
             <a:r>
-              <a:rPr lang="es-ES" dirty="0" smtClean="0"/>
+              <a:rPr lang="es-ES" dirty="0"/>
               <a:t>Ingreso al sistema</a:t>
             </a:r>
-            <a:endParaRPr lang="es-ES" dirty="0"/>
           </a:p>
         </p:txBody>
       </p:sp>
@@ -10565,10 +10416,9 @@
           <a:lstStyle/>
           <a:p>
             <a:r>
-              <a:rPr lang="es-ES" dirty="0" smtClean="0"/>
+              <a:rPr lang="es-ES" dirty="0"/>
               <a:t>Listado de usuarios</a:t>
             </a:r>
-            <a:endParaRPr lang="es-ES" dirty="0"/>
           </a:p>
         </p:txBody>
       </p:sp>
@@ -10947,10 +10797,9 @@
           <a:lstStyle/>
           <a:p>
             <a:r>
-              <a:rPr lang="es-ES" dirty="0" smtClean="0"/>
+              <a:rPr lang="es-ES" dirty="0"/>
               <a:t>Control de ingreso a lista de usuarios</a:t>
             </a:r>
-            <a:endParaRPr lang="es-ES" dirty="0"/>
           </a:p>
         </p:txBody>
       </p:sp>
@@ -11036,13 +10885,6 @@
   <p:clrMapOvr>
     <a:masterClrMapping/>
   </p:clrMapOvr>
-  <p:timing>
-    <p:tnLst>
-      <p:par>
-        <p:cTn id="1" dur="indefinite" restart="never" nodeType="tmRoot"/>
-      </p:par>
-    </p:tnLst>
-  </p:timing>
 </p:sld>
 </file>
 
@@ -11103,10 +10945,9 @@
           <a:lstStyle/>
           <a:p>
             <a:r>
-              <a:rPr lang="es-ES" dirty="0" smtClean="0"/>
+              <a:rPr lang="es-ES" dirty="0"/>
               <a:t>Editar registros</a:t>
             </a:r>
-            <a:endParaRPr lang="es-ES" dirty="0"/>
           </a:p>
         </p:txBody>
       </p:sp>
@@ -11428,6 +11269,566 @@
 </p:sld>
 </file>
 
+<file path=ppt/slides/slide25.xml><?xml version="1.0" encoding="utf-8"?>
+<p:sld xmlns:a="http://schemas.openxmlformats.org/drawingml/2006/main" xmlns:r="http://schemas.openxmlformats.org/officeDocument/2006/relationships" xmlns:p="http://schemas.openxmlformats.org/presentationml/2006/main">
+  <p:cSld>
+    <p:spTree>
+      <p:nvGrpSpPr>
+        <p:cNvPr id="1" name=""/>
+        <p:cNvGrpSpPr/>
+        <p:nvPr/>
+      </p:nvGrpSpPr>
+      <p:grpSpPr>
+        <a:xfrm>
+          <a:off x="0" y="0"/>
+          <a:ext cx="0" cy="0"/>
+          <a:chOff x="0" y="0"/>
+          <a:chExt cx="0" cy="0"/>
+        </a:xfrm>
+      </p:grpSpPr>
+      <p:sp>
+        <p:nvSpPr>
+          <p:cNvPr id="4" name="Título 3"/>
+          <p:cNvSpPr>
+            <a:spLocks noGrp="1"/>
+          </p:cNvSpPr>
+          <p:nvPr>
+            <p:ph type="title"/>
+          </p:nvPr>
+        </p:nvSpPr>
+        <p:spPr/>
+        <p:txBody>
+          <a:bodyPr/>
+          <a:lstStyle/>
+          <a:p>
+            <a:r>
+              <a:rPr lang="es-ES" dirty="0"/>
+              <a:t>Web service</a:t>
+            </a:r>
+          </a:p>
+        </p:txBody>
+      </p:sp>
+      <p:sp>
+        <p:nvSpPr>
+          <p:cNvPr id="5" name="Marcador de texto 4"/>
+          <p:cNvSpPr>
+            <a:spLocks noGrp="1"/>
+          </p:cNvSpPr>
+          <p:nvPr>
+            <p:ph type="body" sz="half" idx="2"/>
+          </p:nvPr>
+        </p:nvSpPr>
+        <p:spPr/>
+        <p:txBody>
+          <a:bodyPr/>
+          <a:lstStyle/>
+          <a:p>
+            <a:r>
+              <a:rPr lang="es-ES" dirty="0"/>
+              <a:t>https://es.wikipedia.org/wiki/Servicio_web</a:t>
+            </a:r>
+          </a:p>
+          <a:p>
+            <a:endParaRPr lang="es-ES" dirty="0"/>
+          </a:p>
+        </p:txBody>
+      </p:sp>
+    </p:spTree>
+    <p:extLst>
+      <p:ext uri="{BB962C8B-B14F-4D97-AF65-F5344CB8AC3E}">
+        <p14:creationId xmlns:p14="http://schemas.microsoft.com/office/powerpoint/2010/main" val="128207069"/>
+      </p:ext>
+    </p:extLst>
+  </p:cSld>
+  <p:clrMapOvr>
+    <a:masterClrMapping/>
+  </p:clrMapOvr>
+</p:sld>
+</file>
+
+<file path=ppt/slides/slide26.xml><?xml version="1.0" encoding="utf-8"?>
+<p:sld xmlns:a="http://schemas.openxmlformats.org/drawingml/2006/main" xmlns:r="http://schemas.openxmlformats.org/officeDocument/2006/relationships" xmlns:p="http://schemas.openxmlformats.org/presentationml/2006/main">
+  <p:cSld>
+    <p:spTree>
+      <p:nvGrpSpPr>
+        <p:cNvPr id="1" name=""/>
+        <p:cNvGrpSpPr/>
+        <p:nvPr/>
+      </p:nvGrpSpPr>
+      <p:grpSpPr>
+        <a:xfrm>
+          <a:off x="0" y="0"/>
+          <a:ext cx="0" cy="0"/>
+          <a:chOff x="0" y="0"/>
+          <a:chExt cx="0" cy="0"/>
+        </a:xfrm>
+      </p:grpSpPr>
+      <p:sp>
+        <p:nvSpPr>
+          <p:cNvPr id="2" name="Título 1"/>
+          <p:cNvSpPr>
+            <a:spLocks noGrp="1"/>
+          </p:cNvSpPr>
+          <p:nvPr>
+            <p:ph type="title"/>
+          </p:nvPr>
+        </p:nvSpPr>
+        <p:spPr/>
+        <p:txBody>
+          <a:bodyPr/>
+          <a:lstStyle/>
+          <a:p>
+            <a:r>
+              <a:rPr lang="es-ES" dirty="0"/>
+              <a:t>web service</a:t>
+            </a:r>
+          </a:p>
+        </p:txBody>
+      </p:sp>
+      <p:sp>
+        <p:nvSpPr>
+          <p:cNvPr id="3" name="Marcador de contenido 2"/>
+          <p:cNvSpPr>
+            <a:spLocks noGrp="1"/>
+          </p:cNvSpPr>
+          <p:nvPr>
+            <p:ph idx="1"/>
+          </p:nvPr>
+        </p:nvSpPr>
+        <p:spPr/>
+        <p:txBody>
+          <a:bodyPr/>
+          <a:lstStyle/>
+          <a:p>
+            <a:pPr algn="just"/>
+            <a:r>
+              <a:rPr lang="es-ES" dirty="0"/>
+              <a:t>Un servicio web (en inglés, web service o web </a:t>
+            </a:r>
+            <a:r>
+              <a:rPr lang="es-ES" dirty="0" err="1"/>
+              <a:t>services</a:t>
+            </a:r>
+            <a:r>
+              <a:rPr lang="es-ES" dirty="0"/>
+              <a:t>) es una tecnología que utiliza un conjunto de protocolos y estándares que sirven para intercambiar datos entre aplicaciones. Distintas aplicaciones de software desarrolladas en lenguajes de programación diferentes, y ejecutadas sobre cualquier plataforma, pueden utilizar los servicios web para intercambiar datos en redes de ordenadores como Internet. La interoperabilidad se consigue mediante la adopción de estándares abiertos.</a:t>
+            </a:r>
+          </a:p>
+        </p:txBody>
+      </p:sp>
+      <p:sp>
+        <p:nvSpPr>
+          <p:cNvPr id="5" name="Rectángulo 4"/>
+          <p:cNvSpPr/>
+          <p:nvPr/>
+        </p:nvSpPr>
+        <p:spPr>
+          <a:xfrm>
+            <a:off x="4967289" y="6488668"/>
+            <a:ext cx="7224711" cy="369332"/>
+          </a:xfrm>
+          <a:prstGeom prst="rect">
+            <a:avLst/>
+          </a:prstGeom>
+        </p:spPr>
+        <p:txBody>
+          <a:bodyPr wrap="square">
+            <a:spAutoFit/>
+          </a:bodyPr>
+          <a:lstStyle/>
+          <a:p>
+            <a:r>
+              <a:rPr lang="es-ES" dirty="0"/>
+              <a:t>https://www.oscarblancarteblog.com/2017/03/06/soap-vs-rest-2/</a:t>
+            </a:r>
+          </a:p>
+        </p:txBody>
+      </p:sp>
+    </p:spTree>
+    <p:extLst>
+      <p:ext uri="{BB962C8B-B14F-4D97-AF65-F5344CB8AC3E}">
+        <p14:creationId xmlns:p14="http://schemas.microsoft.com/office/powerpoint/2010/main" val="1514867783"/>
+      </p:ext>
+    </p:extLst>
+  </p:cSld>
+  <p:clrMapOvr>
+    <a:masterClrMapping/>
+  </p:clrMapOvr>
+</p:sld>
+</file>
+
+<file path=ppt/slides/slide27.xml><?xml version="1.0" encoding="utf-8"?>
+<p:sld xmlns:a="http://schemas.openxmlformats.org/drawingml/2006/main" xmlns:r="http://schemas.openxmlformats.org/officeDocument/2006/relationships" xmlns:p="http://schemas.openxmlformats.org/presentationml/2006/main">
+  <p:cSld>
+    <p:spTree>
+      <p:nvGrpSpPr>
+        <p:cNvPr id="1" name=""/>
+        <p:cNvGrpSpPr/>
+        <p:nvPr/>
+      </p:nvGrpSpPr>
+      <p:grpSpPr>
+        <a:xfrm>
+          <a:off x="0" y="0"/>
+          <a:ext cx="0" cy="0"/>
+          <a:chOff x="0" y="0"/>
+          <a:chExt cx="0" cy="0"/>
+        </a:xfrm>
+      </p:grpSpPr>
+      <p:sp>
+        <p:nvSpPr>
+          <p:cNvPr id="2" name="Título 1"/>
+          <p:cNvSpPr>
+            <a:spLocks noGrp="1"/>
+          </p:cNvSpPr>
+          <p:nvPr>
+            <p:ph type="title"/>
+          </p:nvPr>
+        </p:nvSpPr>
+        <p:spPr/>
+        <p:txBody>
+          <a:bodyPr/>
+          <a:lstStyle/>
+          <a:p>
+            <a:r>
+              <a:rPr lang="es-ES"/>
+              <a:t>JSON</a:t>
+            </a:r>
+            <a:endParaRPr lang="es-ES" dirty="0"/>
+          </a:p>
+        </p:txBody>
+      </p:sp>
+      <p:sp>
+        <p:nvSpPr>
+          <p:cNvPr id="3" name="Marcador de contenido 2"/>
+          <p:cNvSpPr>
+            <a:spLocks noGrp="1"/>
+          </p:cNvSpPr>
+          <p:nvPr>
+            <p:ph idx="1"/>
+          </p:nvPr>
+        </p:nvSpPr>
+        <p:spPr/>
+        <p:txBody>
+          <a:bodyPr/>
+          <a:lstStyle/>
+          <a:p>
+            <a:r>
+              <a:rPr lang="es-ES" dirty="0"/>
+              <a:t>JSON, acrónimo de JavaScript </a:t>
+            </a:r>
+            <a:r>
+              <a:rPr lang="es-ES" dirty="0" err="1"/>
+              <a:t>Object</a:t>
+            </a:r>
+            <a:r>
+              <a:rPr lang="es-ES" dirty="0"/>
+              <a:t> </a:t>
+            </a:r>
+            <a:r>
+              <a:rPr lang="es-ES" dirty="0" err="1"/>
+              <a:t>Notation</a:t>
+            </a:r>
+            <a:r>
+              <a:rPr lang="es-ES" dirty="0"/>
+              <a:t>, es un formato de texto ligero para el intercambio de datos. JSON es un subconjunto de la notación literal de objetos de JavaScript aunque hoy, debido a su amplia adopción como alternativa a XML, se considera un formato de lenguaje independiente.</a:t>
+            </a:r>
+          </a:p>
+        </p:txBody>
+      </p:sp>
+      <p:pic>
+        <p:nvPicPr>
+          <p:cNvPr id="6" name="Imagen 5">
+            <a:hlinkClick r:id="rId2"/>
+          </p:cNvPr>
+          <p:cNvPicPr>
+            <a:picLocks noChangeAspect="1"/>
+          </p:cNvPicPr>
+          <p:nvPr/>
+        </p:nvPicPr>
+        <p:blipFill>
+          <a:blip r:embed="rId3">
+            <a:extLst>
+              <a:ext uri="{28A0092B-C50C-407E-A947-70E740481C1C}">
+                <a14:useLocalDpi xmlns:a14="http://schemas.microsoft.com/office/drawing/2010/main" val="0"/>
+              </a:ext>
+            </a:extLst>
+          </a:blip>
+          <a:stretch>
+            <a:fillRect/>
+          </a:stretch>
+        </p:blipFill>
+        <p:spPr>
+          <a:xfrm>
+            <a:off x="8474075" y="4384675"/>
+            <a:ext cx="2381250" cy="2381250"/>
+          </a:xfrm>
+          <a:prstGeom prst="rect">
+            <a:avLst/>
+          </a:prstGeom>
+        </p:spPr>
+      </p:pic>
+      <p:sp>
+        <p:nvSpPr>
+          <p:cNvPr id="7" name="Rectángulo 6"/>
+          <p:cNvSpPr/>
+          <p:nvPr/>
+        </p:nvSpPr>
+        <p:spPr>
+          <a:xfrm>
+            <a:off x="1141412" y="-11679"/>
+            <a:ext cx="3535904" cy="369332"/>
+          </a:xfrm>
+          <a:prstGeom prst="rect">
+            <a:avLst/>
+          </a:prstGeom>
+        </p:spPr>
+        <p:txBody>
+          <a:bodyPr wrap="none">
+            <a:spAutoFit/>
+          </a:bodyPr>
+          <a:lstStyle/>
+          <a:p>
+            <a:r>
+              <a:rPr lang="es-ES" dirty="0"/>
+              <a:t>https://es.wikipedia.org/wiki/JSON</a:t>
+            </a:r>
+          </a:p>
+        </p:txBody>
+      </p:sp>
+      <p:sp>
+        <p:nvSpPr>
+          <p:cNvPr id="8" name="Rectángulo 7"/>
+          <p:cNvSpPr/>
+          <p:nvPr/>
+        </p:nvSpPr>
+        <p:spPr>
+          <a:xfrm>
+            <a:off x="1141412" y="6488668"/>
+            <a:ext cx="3268844" cy="369332"/>
+          </a:xfrm>
+          <a:prstGeom prst="rect">
+            <a:avLst/>
+          </a:prstGeom>
+        </p:spPr>
+        <p:txBody>
+          <a:bodyPr wrap="none">
+            <a:spAutoFit/>
+          </a:bodyPr>
+          <a:lstStyle/>
+          <a:p>
+            <a:r>
+              <a:rPr lang="es-ES" dirty="0"/>
+              <a:t>https://jsoneditoronline.org/</a:t>
+            </a:r>
+          </a:p>
+        </p:txBody>
+      </p:sp>
+    </p:spTree>
+    <p:extLst>
+      <p:ext uri="{BB962C8B-B14F-4D97-AF65-F5344CB8AC3E}">
+        <p14:creationId xmlns:p14="http://schemas.microsoft.com/office/powerpoint/2010/main" val="552903859"/>
+      </p:ext>
+    </p:extLst>
+  </p:cSld>
+  <p:clrMapOvr>
+    <a:masterClrMapping/>
+  </p:clrMapOvr>
+</p:sld>
+</file>
+
+<file path=ppt/slides/slide28.xml><?xml version="1.0" encoding="utf-8"?>
+<p:sld xmlns:a="http://schemas.openxmlformats.org/drawingml/2006/main" xmlns:r="http://schemas.openxmlformats.org/officeDocument/2006/relationships" xmlns:p="http://schemas.openxmlformats.org/presentationml/2006/main">
+  <p:cSld>
+    <p:spTree>
+      <p:nvGrpSpPr>
+        <p:cNvPr id="1" name=""/>
+        <p:cNvGrpSpPr/>
+        <p:nvPr/>
+      </p:nvGrpSpPr>
+      <p:grpSpPr>
+        <a:xfrm>
+          <a:off x="0" y="0"/>
+          <a:ext cx="0" cy="0"/>
+          <a:chOff x="0" y="0"/>
+          <a:chExt cx="0" cy="0"/>
+        </a:xfrm>
+      </p:grpSpPr>
+      <p:sp>
+        <p:nvSpPr>
+          <p:cNvPr id="2" name="Título 1"/>
+          <p:cNvSpPr>
+            <a:spLocks noGrp="1"/>
+          </p:cNvSpPr>
+          <p:nvPr>
+            <p:ph type="title"/>
+          </p:nvPr>
+        </p:nvSpPr>
+        <p:spPr/>
+        <p:txBody>
+          <a:bodyPr/>
+          <a:lstStyle/>
+          <a:p>
+            <a:r>
+              <a:rPr lang="es-ES" dirty="0"/>
+              <a:t>Ejemplos de servicio web</a:t>
+            </a:r>
+          </a:p>
+        </p:txBody>
+      </p:sp>
+      <p:sp>
+        <p:nvSpPr>
+          <p:cNvPr id="3" name="Marcador de contenido 2"/>
+          <p:cNvSpPr>
+            <a:spLocks noGrp="1"/>
+          </p:cNvSpPr>
+          <p:nvPr>
+            <p:ph idx="1"/>
+          </p:nvPr>
+        </p:nvSpPr>
+        <p:spPr/>
+        <p:txBody>
+          <a:bodyPr/>
+          <a:lstStyle/>
+          <a:p>
+            <a:r>
+              <a:rPr lang="es-ES" dirty="0">
+                <a:hlinkClick r:id="rId2"/>
+              </a:rPr>
+              <a:t>https://httpbin.org/anything</a:t>
+            </a:r>
+            <a:endParaRPr lang="es-ES" dirty="0"/>
+          </a:p>
+          <a:p>
+            <a:r>
+              <a:rPr lang="es-ES">
+                <a:hlinkClick r:id="rId3"/>
+              </a:rPr>
+              <a:t>https</a:t>
+            </a:r>
+            <a:r>
+              <a:rPr lang="es-ES" dirty="0">
+                <a:hlinkClick r:id="rId3"/>
+              </a:rPr>
+              <a:t>://jsonplaceholder.typicode.com/todos</a:t>
+            </a:r>
+            <a:r>
+              <a:rPr lang="es-ES">
+                <a:hlinkClick r:id="rId3"/>
+              </a:rPr>
+              <a:t>/1</a:t>
+            </a:r>
+            <a:endParaRPr lang="es-ES" dirty="0"/>
+          </a:p>
+          <a:p>
+            <a:r>
+              <a:rPr lang="es-ES" dirty="0">
+                <a:hlinkClick r:id="rId4"/>
+              </a:rPr>
+              <a:t>https://reqbin.com/echo/get/json</a:t>
+            </a:r>
+            <a:endParaRPr lang="es-ES" dirty="0"/>
+          </a:p>
+          <a:p>
+            <a:r>
+              <a:rPr lang="es-ES" dirty="0">
+                <a:hlinkClick r:id="rId5"/>
+              </a:rPr>
+              <a:t>http://www.amiiboapi.com/api/amiibo</a:t>
+            </a:r>
+            <a:endParaRPr lang="es-ES" dirty="0"/>
+          </a:p>
+          <a:p>
+            <a:endParaRPr lang="es-ES" dirty="0"/>
+          </a:p>
+        </p:txBody>
+      </p:sp>
+    </p:spTree>
+    <p:extLst>
+      <p:ext uri="{BB962C8B-B14F-4D97-AF65-F5344CB8AC3E}">
+        <p14:creationId xmlns:p14="http://schemas.microsoft.com/office/powerpoint/2010/main" val="2928422576"/>
+      </p:ext>
+    </p:extLst>
+  </p:cSld>
+  <p:clrMapOvr>
+    <a:masterClrMapping/>
+  </p:clrMapOvr>
+</p:sld>
+</file>
+
+<file path=ppt/slides/slide29.xml><?xml version="1.0" encoding="utf-8"?>
+<p:sld xmlns:a="http://schemas.openxmlformats.org/drawingml/2006/main" xmlns:r="http://schemas.openxmlformats.org/officeDocument/2006/relationships" xmlns:p="http://schemas.openxmlformats.org/presentationml/2006/main">
+  <p:cSld>
+    <p:spTree>
+      <p:nvGrpSpPr>
+        <p:cNvPr id="1" name=""/>
+        <p:cNvGrpSpPr/>
+        <p:nvPr/>
+      </p:nvGrpSpPr>
+      <p:grpSpPr>
+        <a:xfrm>
+          <a:off x="0" y="0"/>
+          <a:ext cx="0" cy="0"/>
+          <a:chOff x="0" y="0"/>
+          <a:chExt cx="0" cy="0"/>
+        </a:xfrm>
+      </p:grpSpPr>
+      <p:sp>
+        <p:nvSpPr>
+          <p:cNvPr id="2" name="Título 1"/>
+          <p:cNvSpPr>
+            <a:spLocks noGrp="1"/>
+          </p:cNvSpPr>
+          <p:nvPr>
+            <p:ph type="title"/>
+          </p:nvPr>
+        </p:nvSpPr>
+        <p:spPr/>
+        <p:txBody>
+          <a:bodyPr/>
+          <a:lstStyle/>
+          <a:p>
+            <a:r>
+              <a:rPr lang="es-ES" dirty="0"/>
+              <a:t>Validación de servicio web</a:t>
+            </a:r>
+          </a:p>
+        </p:txBody>
+      </p:sp>
+      <p:sp>
+        <p:nvSpPr>
+          <p:cNvPr id="3" name="Marcador de contenido 2"/>
+          <p:cNvSpPr>
+            <a:spLocks noGrp="1"/>
+          </p:cNvSpPr>
+          <p:nvPr>
+            <p:ph idx="1"/>
+          </p:nvPr>
+        </p:nvSpPr>
+        <p:spPr/>
+        <p:txBody>
+          <a:bodyPr/>
+          <a:lstStyle/>
+          <a:p>
+            <a:r>
+              <a:rPr lang="es-ES" dirty="0"/>
+              <a:t>https://reqbin.com/</a:t>
+            </a:r>
+          </a:p>
+        </p:txBody>
+      </p:sp>
+    </p:spTree>
+    <p:extLst>
+      <p:ext uri="{BB962C8B-B14F-4D97-AF65-F5344CB8AC3E}">
+        <p14:creationId xmlns:p14="http://schemas.microsoft.com/office/powerpoint/2010/main" val="1888914147"/>
+      </p:ext>
+    </p:extLst>
+  </p:cSld>
+  <p:clrMapOvr>
+    <a:masterClrMapping/>
+  </p:clrMapOvr>
+</p:sld>
+</file>
+
 <file path=ppt/slides/slide3.xml><?xml version="1.0" encoding="utf-8"?>
 <p:sld xmlns:a="http://schemas.openxmlformats.org/drawingml/2006/main" xmlns:r="http://schemas.openxmlformats.org/officeDocument/2006/relationships" xmlns:p="http://schemas.openxmlformats.org/presentationml/2006/main">
   <p:cSld>
@@ -11463,12 +11864,8 @@
           <a:lstStyle/>
           <a:p>
             <a:r>
-              <a:rPr lang="es-ES" sz="3200" dirty="0" smtClean="0"/>
-              <a:t>MVC Modo </a:t>
-            </a:r>
-            <a:r>
               <a:rPr lang="es-ES" sz="3200" dirty="0"/>
-              <a:t>de operación </a:t>
+              <a:t>MVC Modo de operación </a:t>
             </a:r>
             <a:endParaRPr lang="en-US" sz="3200" dirty="0"/>
           </a:p>
@@ -11569,13 +11966,390 @@
   <p:clrMapOvr>
     <a:masterClrMapping/>
   </p:clrMapOvr>
-  <p:timing>
-    <p:tnLst>
-      <p:par>
-        <p:cTn id="1" dur="indefinite" restart="never" nodeType="tmRoot"/>
-      </p:par>
-    </p:tnLst>
-  </p:timing>
+</p:sld>
+</file>
+
+<file path=ppt/slides/slide30.xml><?xml version="1.0" encoding="utf-8"?>
+<p:sld xmlns:a="http://schemas.openxmlformats.org/drawingml/2006/main" xmlns:r="http://schemas.openxmlformats.org/officeDocument/2006/relationships" xmlns:p="http://schemas.openxmlformats.org/presentationml/2006/main">
+  <p:cSld>
+    <p:spTree>
+      <p:nvGrpSpPr>
+        <p:cNvPr id="1" name=""/>
+        <p:cNvGrpSpPr/>
+        <p:nvPr/>
+      </p:nvGrpSpPr>
+      <p:grpSpPr>
+        <a:xfrm>
+          <a:off x="0" y="0"/>
+          <a:ext cx="0" cy="0"/>
+          <a:chOff x="0" y="0"/>
+          <a:chExt cx="0" cy="0"/>
+        </a:xfrm>
+      </p:grpSpPr>
+      <p:sp>
+        <p:nvSpPr>
+          <p:cNvPr id="2" name="Título 1"/>
+          <p:cNvSpPr>
+            <a:spLocks noGrp="1"/>
+          </p:cNvSpPr>
+          <p:nvPr>
+            <p:ph type="title"/>
+          </p:nvPr>
+        </p:nvSpPr>
+        <p:spPr/>
+        <p:txBody>
+          <a:bodyPr/>
+          <a:lstStyle/>
+          <a:p>
+            <a:r>
+              <a:rPr lang="es-ES" dirty="0"/>
+              <a:t>Modelo para el servicio web</a:t>
+            </a:r>
+          </a:p>
+        </p:txBody>
+      </p:sp>
+      <p:pic>
+        <p:nvPicPr>
+          <p:cNvPr id="4" name="Marcador de contenido 3"/>
+          <p:cNvPicPr>
+            <a:picLocks noGrp="1" noChangeAspect="1"/>
+          </p:cNvPicPr>
+          <p:nvPr>
+            <p:ph idx="1"/>
+          </p:nvPr>
+        </p:nvPicPr>
+        <p:blipFill>
+          <a:blip r:embed="rId2"/>
+          <a:stretch>
+            <a:fillRect/>
+          </a:stretch>
+        </p:blipFill>
+        <p:spPr>
+          <a:xfrm>
+            <a:off x="3523264" y="2336800"/>
+            <a:ext cx="3929447" cy="3598863"/>
+          </a:xfrm>
+          <a:prstGeom prst="rect">
+            <a:avLst/>
+          </a:prstGeom>
+        </p:spPr>
+      </p:pic>
+    </p:spTree>
+    <p:extLst>
+      <p:ext uri="{BB962C8B-B14F-4D97-AF65-F5344CB8AC3E}">
+        <p14:creationId xmlns:p14="http://schemas.microsoft.com/office/powerpoint/2010/main" val="296969797"/>
+      </p:ext>
+    </p:extLst>
+  </p:cSld>
+  <p:clrMapOvr>
+    <a:masterClrMapping/>
+  </p:clrMapOvr>
+</p:sld>
+</file>
+
+<file path=ppt/slides/slide31.xml><?xml version="1.0" encoding="utf-8"?>
+<p:sld xmlns:a="http://schemas.openxmlformats.org/drawingml/2006/main" xmlns:r="http://schemas.openxmlformats.org/officeDocument/2006/relationships" xmlns:p="http://schemas.openxmlformats.org/presentationml/2006/main">
+  <p:cSld>
+    <p:spTree>
+      <p:nvGrpSpPr>
+        <p:cNvPr id="1" name=""/>
+        <p:cNvGrpSpPr/>
+        <p:nvPr/>
+      </p:nvGrpSpPr>
+      <p:grpSpPr>
+        <a:xfrm>
+          <a:off x="0" y="0"/>
+          <a:ext cx="0" cy="0"/>
+          <a:chOff x="0" y="0"/>
+          <a:chExt cx="0" cy="0"/>
+        </a:xfrm>
+      </p:grpSpPr>
+      <p:sp>
+        <p:nvSpPr>
+          <p:cNvPr id="2" name="Título 1"/>
+          <p:cNvSpPr>
+            <a:spLocks noGrp="1"/>
+          </p:cNvSpPr>
+          <p:nvPr>
+            <p:ph type="title"/>
+          </p:nvPr>
+        </p:nvSpPr>
+        <p:spPr/>
+        <p:txBody>
+          <a:bodyPr/>
+          <a:lstStyle/>
+          <a:p>
+            <a:r>
+              <a:rPr lang="es-ES" dirty="0"/>
+              <a:t>Controlador para el servicio web</a:t>
+            </a:r>
+          </a:p>
+        </p:txBody>
+      </p:sp>
+      <p:pic>
+        <p:nvPicPr>
+          <p:cNvPr id="6" name="Marcador de contenido 5"/>
+          <p:cNvPicPr>
+            <a:picLocks noGrp="1" noChangeAspect="1"/>
+          </p:cNvPicPr>
+          <p:nvPr>
+            <p:ph idx="1"/>
+          </p:nvPr>
+        </p:nvPicPr>
+        <p:blipFill>
+          <a:blip r:embed="rId2"/>
+          <a:stretch>
+            <a:fillRect/>
+          </a:stretch>
+        </p:blipFill>
+        <p:spPr>
+          <a:xfrm>
+            <a:off x="2756039" y="2336800"/>
+            <a:ext cx="5463898" cy="3598863"/>
+          </a:xfrm>
+          <a:prstGeom prst="rect">
+            <a:avLst/>
+          </a:prstGeom>
+        </p:spPr>
+      </p:pic>
+    </p:spTree>
+    <p:extLst>
+      <p:ext uri="{BB962C8B-B14F-4D97-AF65-F5344CB8AC3E}">
+        <p14:creationId xmlns:p14="http://schemas.microsoft.com/office/powerpoint/2010/main" val="2488632856"/>
+      </p:ext>
+    </p:extLst>
+  </p:cSld>
+  <p:clrMapOvr>
+    <a:masterClrMapping/>
+  </p:clrMapOvr>
+</p:sld>
+</file>
+
+<file path=ppt/slides/slide32.xml><?xml version="1.0" encoding="utf-8"?>
+<p:sld xmlns:a="http://schemas.openxmlformats.org/drawingml/2006/main" xmlns:r="http://schemas.openxmlformats.org/officeDocument/2006/relationships" xmlns:p="http://schemas.openxmlformats.org/presentationml/2006/main">
+  <p:cSld>
+    <p:spTree>
+      <p:nvGrpSpPr>
+        <p:cNvPr id="1" name=""/>
+        <p:cNvGrpSpPr/>
+        <p:nvPr/>
+      </p:nvGrpSpPr>
+      <p:grpSpPr>
+        <a:xfrm>
+          <a:off x="0" y="0"/>
+          <a:ext cx="0" cy="0"/>
+          <a:chOff x="0" y="0"/>
+          <a:chExt cx="0" cy="0"/>
+        </a:xfrm>
+      </p:grpSpPr>
+      <p:sp>
+        <p:nvSpPr>
+          <p:cNvPr id="2" name="Título 1"/>
+          <p:cNvSpPr>
+            <a:spLocks noGrp="1"/>
+          </p:cNvSpPr>
+          <p:nvPr>
+            <p:ph type="title"/>
+          </p:nvPr>
+        </p:nvSpPr>
+        <p:spPr/>
+        <p:txBody>
+          <a:bodyPr/>
+          <a:lstStyle/>
+          <a:p>
+            <a:r>
+              <a:rPr lang="es-ES" dirty="0"/>
+              <a:t>Preparar vista en Controlador para mostrar los datos del servicio web</a:t>
+            </a:r>
+          </a:p>
+        </p:txBody>
+      </p:sp>
+      <p:pic>
+        <p:nvPicPr>
+          <p:cNvPr id="4" name="Marcador de contenido 3"/>
+          <p:cNvPicPr>
+            <a:picLocks noGrp="1" noChangeAspect="1"/>
+          </p:cNvPicPr>
+          <p:nvPr>
+            <p:ph idx="1"/>
+          </p:nvPr>
+        </p:nvPicPr>
+        <p:blipFill>
+          <a:blip r:embed="rId2"/>
+          <a:stretch>
+            <a:fillRect/>
+          </a:stretch>
+        </p:blipFill>
+        <p:spPr>
+          <a:xfrm>
+            <a:off x="2635250" y="2740819"/>
+            <a:ext cx="5705475" cy="2790825"/>
+          </a:xfrm>
+          <a:prstGeom prst="rect">
+            <a:avLst/>
+          </a:prstGeom>
+        </p:spPr>
+      </p:pic>
+    </p:spTree>
+    <p:extLst>
+      <p:ext uri="{BB962C8B-B14F-4D97-AF65-F5344CB8AC3E}">
+        <p14:creationId xmlns:p14="http://schemas.microsoft.com/office/powerpoint/2010/main" val="4274765014"/>
+      </p:ext>
+    </p:extLst>
+  </p:cSld>
+  <p:clrMapOvr>
+    <a:masterClrMapping/>
+  </p:clrMapOvr>
+</p:sld>
+</file>
+
+<file path=ppt/slides/slide33.xml><?xml version="1.0" encoding="utf-8"?>
+<p:sld xmlns:a="http://schemas.openxmlformats.org/drawingml/2006/main" xmlns:r="http://schemas.openxmlformats.org/officeDocument/2006/relationships" xmlns:p="http://schemas.openxmlformats.org/presentationml/2006/main">
+  <p:cSld>
+    <p:spTree>
+      <p:nvGrpSpPr>
+        <p:cNvPr id="1" name=""/>
+        <p:cNvGrpSpPr/>
+        <p:nvPr/>
+      </p:nvGrpSpPr>
+      <p:grpSpPr>
+        <a:xfrm>
+          <a:off x="0" y="0"/>
+          <a:ext cx="0" cy="0"/>
+          <a:chOff x="0" y="0"/>
+          <a:chExt cx="0" cy="0"/>
+        </a:xfrm>
+      </p:grpSpPr>
+      <p:sp>
+        <p:nvSpPr>
+          <p:cNvPr id="2" name="Título 1"/>
+          <p:cNvSpPr>
+            <a:spLocks noGrp="1"/>
+          </p:cNvSpPr>
+          <p:nvPr>
+            <p:ph type="title"/>
+          </p:nvPr>
+        </p:nvSpPr>
+        <p:spPr/>
+        <p:txBody>
+          <a:bodyPr/>
+          <a:lstStyle/>
+          <a:p>
+            <a:r>
+              <a:rPr lang="es-ES" dirty="0"/>
+              <a:t>Vista para el servicio web</a:t>
+            </a:r>
+          </a:p>
+        </p:txBody>
+      </p:sp>
+      <p:pic>
+        <p:nvPicPr>
+          <p:cNvPr id="5" name="Marcador de contenido 4"/>
+          <p:cNvPicPr>
+            <a:picLocks noGrp="1" noChangeAspect="1"/>
+          </p:cNvPicPr>
+          <p:nvPr>
+            <p:ph idx="1"/>
+          </p:nvPr>
+        </p:nvPicPr>
+        <p:blipFill>
+          <a:blip r:embed="rId2"/>
+          <a:stretch>
+            <a:fillRect/>
+          </a:stretch>
+        </p:blipFill>
+        <p:spPr>
+          <a:xfrm>
+            <a:off x="3382226" y="2675368"/>
+            <a:ext cx="4210050" cy="1066800"/>
+          </a:xfrm>
+          <a:prstGeom prst="rect">
+            <a:avLst/>
+          </a:prstGeom>
+        </p:spPr>
+      </p:pic>
+      <p:sp>
+        <p:nvSpPr>
+          <p:cNvPr id="7" name="Título 1"/>
+          <p:cNvSpPr txBox="1">
+            <a:spLocks/>
+          </p:cNvSpPr>
+          <p:nvPr/>
+        </p:nvSpPr>
+        <p:spPr>
+          <a:xfrm>
+            <a:off x="680321" y="3742168"/>
+            <a:ext cx="9613861" cy="1080938"/>
+          </a:xfrm>
+          <a:prstGeom prst="rect">
+            <a:avLst/>
+          </a:prstGeom>
+        </p:spPr>
+        <p:txBody>
+          <a:bodyPr vert="horz" lIns="91440" tIns="45720" rIns="91440" bIns="45720" rtlCol="0" anchor="ctr">
+            <a:normAutofit/>
+          </a:bodyPr>
+          <a:lstStyle>
+            <a:lvl1pPr algn="l" defTabSz="914400" rtl="0" eaLnBrk="1" latinLnBrk="0" hangingPunct="1">
+              <a:lnSpc>
+                <a:spcPct val="90000"/>
+              </a:lnSpc>
+              <a:spcBef>
+                <a:spcPct val="0"/>
+              </a:spcBef>
+              <a:buNone/>
+              <a:defRPr sz="3600" kern="1200">
+                <a:solidFill>
+                  <a:schemeClr val="tx1"/>
+                </a:solidFill>
+                <a:latin typeface="+mj-lt"/>
+                <a:ea typeface="+mj-ea"/>
+                <a:cs typeface="+mj-cs"/>
+              </a:defRPr>
+            </a:lvl1pPr>
+          </a:lstStyle>
+          <a:p>
+            <a:r>
+              <a:rPr lang="es-ES" dirty="0"/>
+              <a:t>Actualización en el modelo</a:t>
+            </a:r>
+          </a:p>
+        </p:txBody>
+      </p:sp>
+      <p:pic>
+        <p:nvPicPr>
+          <p:cNvPr id="9" name="Imagen 8"/>
+          <p:cNvPicPr>
+            <a:picLocks noChangeAspect="1"/>
+          </p:cNvPicPr>
+          <p:nvPr/>
+        </p:nvPicPr>
+        <p:blipFill>
+          <a:blip r:embed="rId3"/>
+          <a:stretch>
+            <a:fillRect/>
+          </a:stretch>
+        </p:blipFill>
+        <p:spPr>
+          <a:xfrm>
+            <a:off x="1083129" y="4823106"/>
+            <a:ext cx="10287000" cy="1657350"/>
+          </a:xfrm>
+          <a:prstGeom prst="rect">
+            <a:avLst/>
+          </a:prstGeom>
+        </p:spPr>
+      </p:pic>
+    </p:spTree>
+    <p:extLst>
+      <p:ext uri="{BB962C8B-B14F-4D97-AF65-F5344CB8AC3E}">
+        <p14:creationId xmlns:p14="http://schemas.microsoft.com/office/powerpoint/2010/main" val="1175777108"/>
+      </p:ext>
+    </p:extLst>
+  </p:cSld>
+  <p:clrMapOvr>
+    <a:masterClrMapping/>
+  </p:clrMapOvr>
 </p:sld>
 </file>
 
@@ -11614,12 +12388,8 @@
           <a:lstStyle/>
           <a:p>
             <a:r>
-              <a:rPr lang="es-ES" sz="3200" dirty="0" smtClean="0"/>
-              <a:t>MVC Modo </a:t>
-            </a:r>
-            <a:r>
               <a:rPr lang="es-ES" sz="3200" dirty="0"/>
-              <a:t>de operación </a:t>
+              <a:t>MVC Modo de operación </a:t>
             </a:r>
             <a:endParaRPr lang="en-US" sz="3200" dirty="0"/>
           </a:p>
@@ -11648,12 +12418,8 @@
           <a:lstStyle/>
           <a:p>
             <a:r>
-              <a:rPr lang="es-ES" dirty="0" smtClean="0"/>
-              <a:t>4</a:t>
-            </a:r>
-            <a:r>
               <a:rPr lang="es-ES" dirty="0"/>
-              <a:t>. El controlador delega a los objetos de la vista la tarea de desplegar la interfaz de usuario. La vista obtiene sus datos del modelo para generar la interfaz apropiada para el usuario donde se refleja los cambios en el modelo. El modelo no debe tener conocimiento directo sobre la vista. Sin embargo, el patrón de observador (controlador) puede ser utilizado para proveer cierta interacción entre el modelo y la vista, permitiendo al modelo notificar a los interesados de cualquier cambio. Un objeto vista puede registrarse con el modelo y esperar a los cambios, pero aun así el modelo en sí mismo sigue sin saber nada de la vista. El controlador no pasa objetos de dominio (el modelo) a la vista aunque puede dar la orden a la vista para que se actualice. Nota: En algunas implementaciones la vista no tiene acceso directo al modelo, dejando que el controlador envíe los datos del modelo a la vista. </a:t>
+              <a:t>4. El controlador delega a los objetos de la vista la tarea de desplegar la interfaz de usuario. La vista obtiene sus datos del modelo para generar la interfaz apropiada para el usuario donde se refleja los cambios en el modelo. El modelo no debe tener conocimiento directo sobre la vista. Sin embargo, el patrón de observador (controlador) puede ser utilizado para proveer cierta interacción entre el modelo y la vista, permitiendo al modelo notificar a los interesados de cualquier cambio. Un objeto vista puede registrarse con el modelo y esperar a los cambios, pero aun así el modelo en sí mismo sigue sin saber nada de la vista. El controlador no pasa objetos de dominio (el modelo) a la vista aunque puede dar la orden a la vista para que se actualice. Nota: En algunas implementaciones la vista no tiene acceso directo al modelo, dejando que el controlador envíe los datos del modelo a la vista. </a:t>
             </a:r>
           </a:p>
           <a:p>
@@ -11674,13 +12440,6 @@
   <p:clrMapOvr>
     <a:masterClrMapping/>
   </p:clrMapOvr>
-  <p:timing>
-    <p:tnLst>
-      <p:par>
-        <p:cTn id="1" dur="indefinite" restart="never" nodeType="tmRoot"/>
-      </p:par>
-    </p:tnLst>
-  </p:timing>
 </p:sld>
 </file>
 
@@ -11717,12 +12476,8 @@
           <a:lstStyle/>
           <a:p>
             <a:r>
-              <a:rPr lang="es-ES" dirty="0" smtClean="0"/>
-              <a:t>Estructura </a:t>
-            </a:r>
-            <a:r>
               <a:rPr lang="es-ES" dirty="0"/>
-              <a:t>del proyecto.</a:t>
+              <a:t>Estructura del proyecto.</a:t>
             </a:r>
           </a:p>
         </p:txBody>
@@ -11751,15 +12506,7 @@
           <a:p>
             <a:r>
               <a:rPr lang="es-ES" dirty="0"/>
-              <a:t>Como nuestro sitio va a utilizar el patrón Modelo, Vista, Controlador, solamente </a:t>
-            </a:r>
-            <a:r>
-              <a:rPr lang="es-ES" dirty="0" smtClean="0"/>
-              <a:t>una página </a:t>
-            </a:r>
-            <a:r>
-              <a:rPr lang="es-ES" dirty="0"/>
-              <a:t>será accesible desde el navegador, dicha página es </a:t>
+              <a:t>Como nuestro sitio va a utilizar el patrón Modelo, Vista, Controlador, solamente una página será accesible desde el navegador, dicha página es </a:t>
             </a:r>
             <a:r>
               <a:rPr lang="es-ES" dirty="0" err="1"/>
@@ -11767,11 +12514,7 @@
             </a:r>
             <a:r>
               <a:rPr lang="es-ES" dirty="0"/>
-              <a:t>, la cual </a:t>
-            </a:r>
-            <a:r>
-              <a:rPr lang="es-ES" dirty="0" smtClean="0"/>
-              <a:t>será el </a:t>
+              <a:t>, la cual será el </a:t>
             </a:r>
             <a:r>
               <a:rPr lang="es-ES" dirty="0" err="1"/>
@@ -11796,24 +12539,12 @@
               <a:t> (</a:t>
             </a:r>
             <a:r>
-              <a:rPr lang="es-ES" dirty="0" err="1" smtClean="0"/>
+              <a:rPr lang="es-ES" dirty="0" err="1"/>
               <a:t>index.php</a:t>
             </a:r>
             <a:r>
-              <a:rPr lang="es-ES" dirty="0" smtClean="0"/>
-              <a:t>), encargado </a:t>
-            </a:r>
-            <a:r>
               <a:rPr lang="es-ES" dirty="0"/>
-              <a:t>de saber que controlador y acción se esta ejecutando mientras que nuestro usuario </a:t>
-            </a:r>
-            <a:r>
-              <a:rPr lang="es-ES" dirty="0" smtClean="0"/>
-              <a:t>navega. Desde éste se </a:t>
-            </a:r>
-            <a:r>
-              <a:rPr lang="es-ES" dirty="0"/>
-              <a:t>llama al controlador para mostrar la página correcta.</a:t>
+              <a:t>), encargado de saber que controlador y acción se esta ejecutando mientras que nuestro usuario navega. Desde éste se llama al controlador para mostrar la página correcta.</a:t>
             </a:r>
           </a:p>
         </p:txBody>
@@ -11888,10 +12619,9 @@
           <a:lstStyle/>
           <a:p>
             <a:r>
-              <a:rPr lang="es-ES" dirty="0" smtClean="0"/>
+              <a:rPr lang="es-ES" dirty="0"/>
               <a:t>Controlador</a:t>
             </a:r>
-            <a:endParaRPr lang="es-ES" dirty="0"/>
           </a:p>
         </p:txBody>
       </p:sp>
@@ -11965,10 +12695,9 @@
           <a:lstStyle/>
           <a:p>
             <a:r>
-              <a:rPr lang="es-ES" dirty="0" smtClean="0"/>
+              <a:rPr lang="es-ES" dirty="0"/>
               <a:t>Vista</a:t>
             </a:r>
-            <a:endParaRPr lang="es-ES" dirty="0"/>
           </a:p>
         </p:txBody>
       </p:sp>
@@ -12042,7 +12771,7 @@
           <a:lstStyle/>
           <a:p>
             <a:r>
-              <a:rPr lang="es-ES" dirty="0" err="1" smtClean="0"/>
+              <a:rPr lang="es-ES" dirty="0" err="1"/>
               <a:t>Index.php</a:t>
             </a:r>
             <a:endParaRPr lang="es-ES" dirty="0"/>
@@ -12119,10 +12848,9 @@
           <a:lstStyle/>
           <a:p>
             <a:r>
-              <a:rPr lang="es-ES" dirty="0" smtClean="0"/>
+              <a:rPr lang="es-ES" dirty="0"/>
               <a:t>Modelo</a:t>
             </a:r>
-            <a:endParaRPr lang="es-ES" dirty="0"/>
           </a:p>
         </p:txBody>
       </p:sp>
